--- a/classes/Day1/class1.pptx
+++ b/classes/Day1/class1.pptx
@@ -4,6 +4,9 @@
   <p:sldMasterIdLst>
     <p:sldMasterId id="2147483648" r:id="rId1"/>
   </p:sldMasterIdLst>
+  <p:notesMasterIdLst>
+    <p:notesMasterId r:id="rId12"/>
+  </p:notesMasterIdLst>
   <p:sldIdLst>
     <p:sldId id="256" r:id="rId2"/>
     <p:sldId id="257" r:id="rId3"/>
@@ -14,6 +17,7 @@
     <p:sldId id="263" r:id="rId8"/>
     <p:sldId id="262" r:id="rId9"/>
     <p:sldId id="264" r:id="rId10"/>
+    <p:sldId id="265" r:id="rId11"/>
   </p:sldIdLst>
   <p:sldSz cx="12192000" cy="6858000"/>
   <p:notesSz cx="6858000" cy="9144000"/>
@@ -118,7 +122,7 @@
 <file path=ppt/revisionInfo.xml><?xml version="1.0" encoding="utf-8"?>
 <p1510:revInfo xmlns:a="http://schemas.openxmlformats.org/drawingml/2006/main" xmlns:r="http://schemas.openxmlformats.org/officeDocument/2006/relationships" xmlns:p1510="http://schemas.microsoft.com/office/powerpoint/2015/10/main">
   <p1510:revLst>
-    <p1510:client id="{BCCE40F0-2C08-E944-9716-49BCD39A9F91}" v="15" dt="2023-10-05T00:36:40.641"/>
+    <p1510:client id="{BCCE40F0-2C08-E944-9716-49BCD39A9F91}" v="17" dt="2023-10-05T00:47:57.497"/>
   </p1510:revLst>
 </p1510:revInfo>
 </file>
@@ -128,12 +132,12 @@
   <pc:docChgLst>
     <pc:chgData name="Muppeda, Anvesh" userId="06b03efe-61ac-428c-8f04-21f5fe3dd4d6" providerId="ADAL" clId="{BCCE40F0-2C08-E944-9716-49BCD39A9F91}"/>
     <pc:docChg chg="undo custSel addSld modSld sldOrd">
-      <pc:chgData name="Muppeda, Anvesh" userId="06b03efe-61ac-428c-8f04-21f5fe3dd4d6" providerId="ADAL" clId="{BCCE40F0-2C08-E944-9716-49BCD39A9F91}" dt="2023-10-05T00:41:58.358" v="1433" actId="26606"/>
+      <pc:chgData name="Muppeda, Anvesh" userId="06b03efe-61ac-428c-8f04-21f5fe3dd4d6" providerId="ADAL" clId="{BCCE40F0-2C08-E944-9716-49BCD39A9F91}" dt="2023-10-05T00:48:40.123" v="1445" actId="14100"/>
       <pc:docMkLst>
         <pc:docMk/>
       </pc:docMkLst>
       <pc:sldChg chg="addSp modSp mod setBg">
-        <pc:chgData name="Muppeda, Anvesh" userId="06b03efe-61ac-428c-8f04-21f5fe3dd4d6" providerId="ADAL" clId="{BCCE40F0-2C08-E944-9716-49BCD39A9F91}" dt="2023-10-05T00:24:16.756" v="1156" actId="26606"/>
+        <pc:chgData name="Muppeda, Anvesh" userId="06b03efe-61ac-428c-8f04-21f5fe3dd4d6" providerId="ADAL" clId="{BCCE40F0-2C08-E944-9716-49BCD39A9F91}" dt="2023-10-05T00:45:35.407" v="1434"/>
         <pc:sldMkLst>
           <pc:docMk/>
           <pc:sldMk cId="3137756827" sldId="256"/>
@@ -152,6 +156,30 @@
             <pc:docMk/>
             <pc:sldMk cId="3137756827" sldId="256"/>
             <ac:spMk id="3" creationId="{97355018-3F91-6F40-562E-8D09835E3DEE}"/>
+          </ac:spMkLst>
+        </pc:spChg>
+        <pc:spChg chg="add mod">
+          <ac:chgData name="Muppeda, Anvesh" userId="06b03efe-61ac-428c-8f04-21f5fe3dd4d6" providerId="ADAL" clId="{BCCE40F0-2C08-E944-9716-49BCD39A9F91}" dt="2023-10-05T00:45:35.407" v="1434"/>
+          <ac:spMkLst>
+            <pc:docMk/>
+            <pc:sldMk cId="3137756827" sldId="256"/>
+            <ac:spMk id="4" creationId="{570AB95A-CAFB-AA14-95F1-3CD94775F186}"/>
+          </ac:spMkLst>
+        </pc:spChg>
+        <pc:spChg chg="add mod">
+          <ac:chgData name="Muppeda, Anvesh" userId="06b03efe-61ac-428c-8f04-21f5fe3dd4d6" providerId="ADAL" clId="{BCCE40F0-2C08-E944-9716-49BCD39A9F91}" dt="2023-10-05T00:45:35.407" v="1434"/>
+          <ac:spMkLst>
+            <pc:docMk/>
+            <pc:sldMk cId="3137756827" sldId="256"/>
+            <ac:spMk id="5" creationId="{C398DA7E-28B4-27A1-B22C-E3E72FBDEAAD}"/>
+          </ac:spMkLst>
+        </pc:spChg>
+        <pc:spChg chg="add mod">
+          <ac:chgData name="Muppeda, Anvesh" userId="06b03efe-61ac-428c-8f04-21f5fe3dd4d6" providerId="ADAL" clId="{BCCE40F0-2C08-E944-9716-49BCD39A9F91}" dt="2023-10-05T00:45:35.407" v="1434"/>
+          <ac:spMkLst>
+            <pc:docMk/>
+            <pc:sldMk cId="3137756827" sldId="256"/>
+            <ac:spMk id="6" creationId="{23F44D0E-E7A5-3A43-D3CA-29696517E473}"/>
           </ac:spMkLst>
         </pc:spChg>
         <pc:spChg chg="add">
@@ -180,7 +208,7 @@
         </pc:spChg>
       </pc:sldChg>
       <pc:sldChg chg="addSp modSp new mod setBg setClrOvrMap">
-        <pc:chgData name="Muppeda, Anvesh" userId="06b03efe-61ac-428c-8f04-21f5fe3dd4d6" providerId="ADAL" clId="{BCCE40F0-2C08-E944-9716-49BCD39A9F91}" dt="2023-10-05T00:35:29.691" v="1301"/>
+        <pc:chgData name="Muppeda, Anvesh" userId="06b03efe-61ac-428c-8f04-21f5fe3dd4d6" providerId="ADAL" clId="{BCCE40F0-2C08-E944-9716-49BCD39A9F91}" dt="2023-10-05T00:45:35.407" v="1434"/>
         <pc:sldMkLst>
           <pc:docMk/>
           <pc:sldMk cId="2766322761" sldId="257"/>
@@ -209,6 +237,30 @@
             <ac:spMk id="4" creationId="{7C7F59D4-27DB-A524-9636-6D1E3A82DC4F}"/>
           </ac:spMkLst>
         </pc:spChg>
+        <pc:spChg chg="add mod">
+          <ac:chgData name="Muppeda, Anvesh" userId="06b03efe-61ac-428c-8f04-21f5fe3dd4d6" providerId="ADAL" clId="{BCCE40F0-2C08-E944-9716-49BCD39A9F91}" dt="2023-10-05T00:45:35.407" v="1434"/>
+          <ac:spMkLst>
+            <pc:docMk/>
+            <pc:sldMk cId="2766322761" sldId="257"/>
+            <ac:spMk id="5" creationId="{70B1C0FD-E180-24FA-565B-F042AF49B702}"/>
+          </ac:spMkLst>
+        </pc:spChg>
+        <pc:spChg chg="add mod">
+          <ac:chgData name="Muppeda, Anvesh" userId="06b03efe-61ac-428c-8f04-21f5fe3dd4d6" providerId="ADAL" clId="{BCCE40F0-2C08-E944-9716-49BCD39A9F91}" dt="2023-10-05T00:45:35.407" v="1434"/>
+          <ac:spMkLst>
+            <pc:docMk/>
+            <pc:sldMk cId="2766322761" sldId="257"/>
+            <ac:spMk id="6" creationId="{A32E4BBB-41AE-B041-6324-33D7140C7A6F}"/>
+          </ac:spMkLst>
+        </pc:spChg>
+        <pc:spChg chg="add mod">
+          <ac:chgData name="Muppeda, Anvesh" userId="06b03efe-61ac-428c-8f04-21f5fe3dd4d6" providerId="ADAL" clId="{BCCE40F0-2C08-E944-9716-49BCD39A9F91}" dt="2023-10-05T00:45:35.407" v="1434"/>
+          <ac:spMkLst>
+            <pc:docMk/>
+            <pc:sldMk cId="2766322761" sldId="257"/>
+            <ac:spMk id="7" creationId="{C7C3C6CF-3832-A248-2AA8-7759C329B887}"/>
+          </ac:spMkLst>
+        </pc:spChg>
         <pc:spChg chg="add">
           <ac:chgData name="Muppeda, Anvesh" userId="06b03efe-61ac-428c-8f04-21f5fe3dd4d6" providerId="ADAL" clId="{BCCE40F0-2C08-E944-9716-49BCD39A9F91}" dt="2023-10-05T00:24:31.500" v="1157" actId="26606"/>
           <ac:spMkLst>
@@ -227,7 +279,7 @@
         </pc:cxnChg>
       </pc:sldChg>
       <pc:sldChg chg="addSp delSp modSp new mod">
-        <pc:chgData name="Muppeda, Anvesh" userId="06b03efe-61ac-428c-8f04-21f5fe3dd4d6" providerId="ADAL" clId="{BCCE40F0-2C08-E944-9716-49BCD39A9F91}" dt="2023-10-05T00:24:41.233" v="1158" actId="26606"/>
+        <pc:chgData name="Muppeda, Anvesh" userId="06b03efe-61ac-428c-8f04-21f5fe3dd4d6" providerId="ADAL" clId="{BCCE40F0-2C08-E944-9716-49BCD39A9F91}" dt="2023-10-05T00:45:35.407" v="1434"/>
         <pc:sldMkLst>
           <pc:docMk/>
           <pc:sldMk cId="2528113370" sldId="258"/>
@@ -248,6 +300,30 @@
             <ac:spMk id="3" creationId="{8EEE48F1-DFAA-E70F-B98D-69A3B195D5F8}"/>
           </ac:spMkLst>
         </pc:spChg>
+        <pc:spChg chg="add mod">
+          <ac:chgData name="Muppeda, Anvesh" userId="06b03efe-61ac-428c-8f04-21f5fe3dd4d6" providerId="ADAL" clId="{BCCE40F0-2C08-E944-9716-49BCD39A9F91}" dt="2023-10-05T00:45:35.407" v="1434"/>
+          <ac:spMkLst>
+            <pc:docMk/>
+            <pc:sldMk cId="2528113370" sldId="258"/>
+            <ac:spMk id="4" creationId="{F7223EA4-CC6E-ECFA-3F5B-749E13211610}"/>
+          </ac:spMkLst>
+        </pc:spChg>
+        <pc:spChg chg="add mod">
+          <ac:chgData name="Muppeda, Anvesh" userId="06b03efe-61ac-428c-8f04-21f5fe3dd4d6" providerId="ADAL" clId="{BCCE40F0-2C08-E944-9716-49BCD39A9F91}" dt="2023-10-05T00:45:35.407" v="1434"/>
+          <ac:spMkLst>
+            <pc:docMk/>
+            <pc:sldMk cId="2528113370" sldId="258"/>
+            <ac:spMk id="6" creationId="{984A45BE-6644-0958-A3F9-7412F1C1E0E5}"/>
+          </ac:spMkLst>
+        </pc:spChg>
+        <pc:spChg chg="add mod">
+          <ac:chgData name="Muppeda, Anvesh" userId="06b03efe-61ac-428c-8f04-21f5fe3dd4d6" providerId="ADAL" clId="{BCCE40F0-2C08-E944-9716-49BCD39A9F91}" dt="2023-10-05T00:45:35.407" v="1434"/>
+          <ac:spMkLst>
+            <pc:docMk/>
+            <pc:sldMk cId="2528113370" sldId="258"/>
+            <ac:spMk id="7" creationId="{4ABC4F86-3CEE-2FF9-0E47-517D25EAE8BE}"/>
+          </ac:spMkLst>
+        </pc:spChg>
         <pc:graphicFrameChg chg="add">
           <ac:chgData name="Muppeda, Anvesh" userId="06b03efe-61ac-428c-8f04-21f5fe3dd4d6" providerId="ADAL" clId="{BCCE40F0-2C08-E944-9716-49BCD39A9F91}" dt="2023-10-05T00:24:41.233" v="1158" actId="26606"/>
           <ac:graphicFrameMkLst>
@@ -258,7 +334,7 @@
         </pc:graphicFrameChg>
       </pc:sldChg>
       <pc:sldChg chg="addSp modSp new mod setBg setClrOvrMap">
-        <pc:chgData name="Muppeda, Anvesh" userId="06b03efe-61ac-428c-8f04-21f5fe3dd4d6" providerId="ADAL" clId="{BCCE40F0-2C08-E944-9716-49BCD39A9F91}" dt="2023-10-05T00:24:49.981" v="1159" actId="26606"/>
+        <pc:chgData name="Muppeda, Anvesh" userId="06b03efe-61ac-428c-8f04-21f5fe3dd4d6" providerId="ADAL" clId="{BCCE40F0-2C08-E944-9716-49BCD39A9F91}" dt="2023-10-05T00:45:35.407" v="1434"/>
         <pc:sldMkLst>
           <pc:docMk/>
           <pc:sldMk cId="855505065" sldId="259"/>
@@ -287,6 +363,30 @@
             <ac:spMk id="4" creationId="{B1A95FC1-C7BB-B5F2-5763-1A4A3AEBF4C1}"/>
           </ac:spMkLst>
         </pc:spChg>
+        <pc:spChg chg="add mod">
+          <ac:chgData name="Muppeda, Anvesh" userId="06b03efe-61ac-428c-8f04-21f5fe3dd4d6" providerId="ADAL" clId="{BCCE40F0-2C08-E944-9716-49BCD39A9F91}" dt="2023-10-05T00:45:35.407" v="1434"/>
+          <ac:spMkLst>
+            <pc:docMk/>
+            <pc:sldMk cId="855505065" sldId="259"/>
+            <ac:spMk id="5" creationId="{D4208A9F-A8B7-7662-3E8B-70D4308AD4A1}"/>
+          </ac:spMkLst>
+        </pc:spChg>
+        <pc:spChg chg="add mod">
+          <ac:chgData name="Muppeda, Anvesh" userId="06b03efe-61ac-428c-8f04-21f5fe3dd4d6" providerId="ADAL" clId="{BCCE40F0-2C08-E944-9716-49BCD39A9F91}" dt="2023-10-05T00:45:35.407" v="1434"/>
+          <ac:spMkLst>
+            <pc:docMk/>
+            <pc:sldMk cId="855505065" sldId="259"/>
+            <ac:spMk id="6" creationId="{2C213164-92DA-AD4C-78E7-8C74C58C765B}"/>
+          </ac:spMkLst>
+        </pc:spChg>
+        <pc:spChg chg="add mod">
+          <ac:chgData name="Muppeda, Anvesh" userId="06b03efe-61ac-428c-8f04-21f5fe3dd4d6" providerId="ADAL" clId="{BCCE40F0-2C08-E944-9716-49BCD39A9F91}" dt="2023-10-05T00:45:35.407" v="1434"/>
+          <ac:spMkLst>
+            <pc:docMk/>
+            <pc:sldMk cId="855505065" sldId="259"/>
+            <ac:spMk id="7" creationId="{CFB0BB5E-4AF6-B03F-5F96-610FA312E252}"/>
+          </ac:spMkLst>
+        </pc:spChg>
         <pc:spChg chg="add">
           <ac:chgData name="Muppeda, Anvesh" userId="06b03efe-61ac-428c-8f04-21f5fe3dd4d6" providerId="ADAL" clId="{BCCE40F0-2C08-E944-9716-49BCD39A9F91}" dt="2023-10-05T00:24:49.981" v="1159" actId="26606"/>
           <ac:spMkLst>
@@ -305,7 +405,7 @@
         </pc:cxnChg>
       </pc:sldChg>
       <pc:sldChg chg="addSp delSp modSp new mod setBg">
-        <pc:chgData name="Muppeda, Anvesh" userId="06b03efe-61ac-428c-8f04-21f5fe3dd4d6" providerId="ADAL" clId="{BCCE40F0-2C08-E944-9716-49BCD39A9F91}" dt="2023-10-05T00:36:40.641" v="1314" actId="20577"/>
+        <pc:chgData name="Muppeda, Anvesh" userId="06b03efe-61ac-428c-8f04-21f5fe3dd4d6" providerId="ADAL" clId="{BCCE40F0-2C08-E944-9716-49BCD39A9F91}" dt="2023-10-05T00:45:35.407" v="1434"/>
         <pc:sldMkLst>
           <pc:docMk/>
           <pc:sldMk cId="441474092" sldId="260"/>
@@ -324,6 +424,30 @@
             <pc:docMk/>
             <pc:sldMk cId="441474092" sldId="260"/>
             <ac:spMk id="3" creationId="{B653F7F7-20CE-9E81-A054-98FE846CEFD6}"/>
+          </ac:spMkLst>
+        </pc:spChg>
+        <pc:spChg chg="add mod">
+          <ac:chgData name="Muppeda, Anvesh" userId="06b03efe-61ac-428c-8f04-21f5fe3dd4d6" providerId="ADAL" clId="{BCCE40F0-2C08-E944-9716-49BCD39A9F91}" dt="2023-10-05T00:45:35.407" v="1434"/>
+          <ac:spMkLst>
+            <pc:docMk/>
+            <pc:sldMk cId="441474092" sldId="260"/>
+            <ac:spMk id="4" creationId="{3BE83910-D79A-12B5-4873-DF5C5F3FE697}"/>
+          </ac:spMkLst>
+        </pc:spChg>
+        <pc:spChg chg="add mod">
+          <ac:chgData name="Muppeda, Anvesh" userId="06b03efe-61ac-428c-8f04-21f5fe3dd4d6" providerId="ADAL" clId="{BCCE40F0-2C08-E944-9716-49BCD39A9F91}" dt="2023-10-05T00:45:35.407" v="1434"/>
+          <ac:spMkLst>
+            <pc:docMk/>
+            <pc:sldMk cId="441474092" sldId="260"/>
+            <ac:spMk id="7" creationId="{A268FDA5-F81B-ECA4-43AF-11A36BFA4982}"/>
+          </ac:spMkLst>
+        </pc:spChg>
+        <pc:spChg chg="add mod">
+          <ac:chgData name="Muppeda, Anvesh" userId="06b03efe-61ac-428c-8f04-21f5fe3dd4d6" providerId="ADAL" clId="{BCCE40F0-2C08-E944-9716-49BCD39A9F91}" dt="2023-10-05T00:45:35.407" v="1434"/>
+          <ac:spMkLst>
+            <pc:docMk/>
+            <pc:sldMk cId="441474092" sldId="260"/>
+            <ac:spMk id="8" creationId="{E56D2DE5-E91C-B265-206D-5BD0558C57B5}"/>
           </ac:spMkLst>
         </pc:spChg>
         <pc:spChg chg="add">
@@ -352,7 +476,7 @@
         </pc:picChg>
       </pc:sldChg>
       <pc:sldChg chg="addSp delSp modSp new mod">
-        <pc:chgData name="Muppeda, Anvesh" userId="06b03efe-61ac-428c-8f04-21f5fe3dd4d6" providerId="ADAL" clId="{BCCE40F0-2C08-E944-9716-49BCD39A9F91}" dt="2023-10-05T00:25:07.409" v="1161" actId="26606"/>
+        <pc:chgData name="Muppeda, Anvesh" userId="06b03efe-61ac-428c-8f04-21f5fe3dd4d6" providerId="ADAL" clId="{BCCE40F0-2C08-E944-9716-49BCD39A9F91}" dt="2023-10-05T00:45:35.407" v="1434"/>
         <pc:sldMkLst>
           <pc:docMk/>
           <pc:sldMk cId="3927024726" sldId="261"/>
@@ -373,6 +497,30 @@
             <ac:spMk id="3" creationId="{A89A4114-7106-483F-9DBA-7557FFE72495}"/>
           </ac:spMkLst>
         </pc:spChg>
+        <pc:spChg chg="add mod">
+          <ac:chgData name="Muppeda, Anvesh" userId="06b03efe-61ac-428c-8f04-21f5fe3dd4d6" providerId="ADAL" clId="{BCCE40F0-2C08-E944-9716-49BCD39A9F91}" dt="2023-10-05T00:45:35.407" v="1434"/>
+          <ac:spMkLst>
+            <pc:docMk/>
+            <pc:sldMk cId="3927024726" sldId="261"/>
+            <ac:spMk id="4" creationId="{D27A3EBB-B259-6EFF-AF5C-08D30D54D847}"/>
+          </ac:spMkLst>
+        </pc:spChg>
+        <pc:spChg chg="add mod">
+          <ac:chgData name="Muppeda, Anvesh" userId="06b03efe-61ac-428c-8f04-21f5fe3dd4d6" providerId="ADAL" clId="{BCCE40F0-2C08-E944-9716-49BCD39A9F91}" dt="2023-10-05T00:45:35.407" v="1434"/>
+          <ac:spMkLst>
+            <pc:docMk/>
+            <pc:sldMk cId="3927024726" sldId="261"/>
+            <ac:spMk id="6" creationId="{9784E8B8-A7E2-91D6-DCF1-838B18D25A9A}"/>
+          </ac:spMkLst>
+        </pc:spChg>
+        <pc:spChg chg="add mod">
+          <ac:chgData name="Muppeda, Anvesh" userId="06b03efe-61ac-428c-8f04-21f5fe3dd4d6" providerId="ADAL" clId="{BCCE40F0-2C08-E944-9716-49BCD39A9F91}" dt="2023-10-05T00:45:35.407" v="1434"/>
+          <ac:spMkLst>
+            <pc:docMk/>
+            <pc:sldMk cId="3927024726" sldId="261"/>
+            <ac:spMk id="7" creationId="{B07AD13F-B0FC-361B-2EB3-4D80BE5F918C}"/>
+          </ac:spMkLst>
+        </pc:spChg>
         <pc:graphicFrameChg chg="add">
           <ac:chgData name="Muppeda, Anvesh" userId="06b03efe-61ac-428c-8f04-21f5fe3dd4d6" providerId="ADAL" clId="{BCCE40F0-2C08-E944-9716-49BCD39A9F91}" dt="2023-10-05T00:25:07.409" v="1161" actId="26606"/>
           <ac:graphicFrameMkLst>
@@ -383,7 +531,7 @@
         </pc:graphicFrameChg>
       </pc:sldChg>
       <pc:sldChg chg="addSp delSp modSp new mod setBg">
-        <pc:chgData name="Muppeda, Anvesh" userId="06b03efe-61ac-428c-8f04-21f5fe3dd4d6" providerId="ADAL" clId="{BCCE40F0-2C08-E944-9716-49BCD39A9F91}" dt="2023-10-05T00:25:33.365" v="1165" actId="26606"/>
+        <pc:chgData name="Muppeda, Anvesh" userId="06b03efe-61ac-428c-8f04-21f5fe3dd4d6" providerId="ADAL" clId="{BCCE40F0-2C08-E944-9716-49BCD39A9F91}" dt="2023-10-05T00:45:35.407" v="1434"/>
         <pc:sldMkLst>
           <pc:docMk/>
           <pc:sldMk cId="3188315154" sldId="262"/>
@@ -402,6 +550,30 @@
             <pc:docMk/>
             <pc:sldMk cId="3188315154" sldId="262"/>
             <ac:spMk id="3" creationId="{5E5DA62D-8583-764B-223E-205649B5F288}"/>
+          </ac:spMkLst>
+        </pc:spChg>
+        <pc:spChg chg="add mod">
+          <ac:chgData name="Muppeda, Anvesh" userId="06b03efe-61ac-428c-8f04-21f5fe3dd4d6" providerId="ADAL" clId="{BCCE40F0-2C08-E944-9716-49BCD39A9F91}" dt="2023-10-05T00:45:35.407" v="1434"/>
+          <ac:spMkLst>
+            <pc:docMk/>
+            <pc:sldMk cId="3188315154" sldId="262"/>
+            <ac:spMk id="4" creationId="{AE0CA91E-5CF6-2DE8-6EF6-327303121C56}"/>
+          </ac:spMkLst>
+        </pc:spChg>
+        <pc:spChg chg="add mod">
+          <ac:chgData name="Muppeda, Anvesh" userId="06b03efe-61ac-428c-8f04-21f5fe3dd4d6" providerId="ADAL" clId="{BCCE40F0-2C08-E944-9716-49BCD39A9F91}" dt="2023-10-05T00:45:35.407" v="1434"/>
+          <ac:spMkLst>
+            <pc:docMk/>
+            <pc:sldMk cId="3188315154" sldId="262"/>
+            <ac:spMk id="6" creationId="{87160BEA-09D7-99C3-B5C1-B23B7F7C71C2}"/>
+          </ac:spMkLst>
+        </pc:spChg>
+        <pc:spChg chg="add mod">
+          <ac:chgData name="Muppeda, Anvesh" userId="06b03efe-61ac-428c-8f04-21f5fe3dd4d6" providerId="ADAL" clId="{BCCE40F0-2C08-E944-9716-49BCD39A9F91}" dt="2023-10-05T00:45:35.407" v="1434"/>
+          <ac:spMkLst>
+            <pc:docMk/>
+            <pc:sldMk cId="3188315154" sldId="262"/>
+            <ac:spMk id="7" creationId="{48850385-CF88-12E6-4FCD-A48C22CA1024}"/>
           </ac:spMkLst>
         </pc:spChg>
         <pc:spChg chg="add del">
@@ -438,7 +610,7 @@
         </pc:graphicFrameChg>
       </pc:sldChg>
       <pc:sldChg chg="addSp delSp modSp new mod ord">
-        <pc:chgData name="Muppeda, Anvesh" userId="06b03efe-61ac-428c-8f04-21f5fe3dd4d6" providerId="ADAL" clId="{BCCE40F0-2C08-E944-9716-49BCD39A9F91}" dt="2023-10-05T00:25:13.885" v="1162" actId="26606"/>
+        <pc:chgData name="Muppeda, Anvesh" userId="06b03efe-61ac-428c-8f04-21f5fe3dd4d6" providerId="ADAL" clId="{BCCE40F0-2C08-E944-9716-49BCD39A9F91}" dt="2023-10-05T00:45:35.407" v="1434"/>
         <pc:sldMkLst>
           <pc:docMk/>
           <pc:sldMk cId="3089830840" sldId="263"/>
@@ -459,6 +631,30 @@
             <ac:spMk id="3" creationId="{A923FB02-01C0-4596-1F88-F791754581C9}"/>
           </ac:spMkLst>
         </pc:spChg>
+        <pc:spChg chg="add mod">
+          <ac:chgData name="Muppeda, Anvesh" userId="06b03efe-61ac-428c-8f04-21f5fe3dd4d6" providerId="ADAL" clId="{BCCE40F0-2C08-E944-9716-49BCD39A9F91}" dt="2023-10-05T00:45:35.407" v="1434"/>
+          <ac:spMkLst>
+            <pc:docMk/>
+            <pc:sldMk cId="3089830840" sldId="263"/>
+            <ac:spMk id="4" creationId="{4B69868A-1BF4-7254-14BB-8C08EFE630E7}"/>
+          </ac:spMkLst>
+        </pc:spChg>
+        <pc:spChg chg="add mod">
+          <ac:chgData name="Muppeda, Anvesh" userId="06b03efe-61ac-428c-8f04-21f5fe3dd4d6" providerId="ADAL" clId="{BCCE40F0-2C08-E944-9716-49BCD39A9F91}" dt="2023-10-05T00:45:35.407" v="1434"/>
+          <ac:spMkLst>
+            <pc:docMk/>
+            <pc:sldMk cId="3089830840" sldId="263"/>
+            <ac:spMk id="6" creationId="{54F74D8D-F410-733F-A14D-9044B3627098}"/>
+          </ac:spMkLst>
+        </pc:spChg>
+        <pc:spChg chg="add mod">
+          <ac:chgData name="Muppeda, Anvesh" userId="06b03efe-61ac-428c-8f04-21f5fe3dd4d6" providerId="ADAL" clId="{BCCE40F0-2C08-E944-9716-49BCD39A9F91}" dt="2023-10-05T00:45:35.407" v="1434"/>
+          <ac:spMkLst>
+            <pc:docMk/>
+            <pc:sldMk cId="3089830840" sldId="263"/>
+            <ac:spMk id="7" creationId="{C66F8E70-B62F-7906-2DDC-91F97D820FD8}"/>
+          </ac:spMkLst>
+        </pc:spChg>
         <pc:graphicFrameChg chg="add">
           <ac:chgData name="Muppeda, Anvesh" userId="06b03efe-61ac-428c-8f04-21f5fe3dd4d6" providerId="ADAL" clId="{BCCE40F0-2C08-E944-9716-49BCD39A9F91}" dt="2023-10-05T00:25:13.885" v="1162" actId="26606"/>
           <ac:graphicFrameMkLst>
@@ -469,7 +665,7 @@
         </pc:graphicFrameChg>
       </pc:sldChg>
       <pc:sldChg chg="addSp modSp new mod setBg">
-        <pc:chgData name="Muppeda, Anvesh" userId="06b03efe-61ac-428c-8f04-21f5fe3dd4d6" providerId="ADAL" clId="{BCCE40F0-2C08-E944-9716-49BCD39A9F91}" dt="2023-10-05T00:41:58.358" v="1433" actId="26606"/>
+        <pc:chgData name="Muppeda, Anvesh" userId="06b03efe-61ac-428c-8f04-21f5fe3dd4d6" providerId="ADAL" clId="{BCCE40F0-2C08-E944-9716-49BCD39A9F91}" dt="2023-10-05T00:45:35.407" v="1434"/>
         <pc:sldMkLst>
           <pc:docMk/>
           <pc:sldMk cId="2405035379" sldId="264"/>
@@ -488,6 +684,30 @@
             <pc:docMk/>
             <pc:sldMk cId="2405035379" sldId="264"/>
             <ac:spMk id="3" creationId="{115FA555-4353-1120-C986-7CB49162F1E7}"/>
+          </ac:spMkLst>
+        </pc:spChg>
+        <pc:spChg chg="add mod">
+          <ac:chgData name="Muppeda, Anvesh" userId="06b03efe-61ac-428c-8f04-21f5fe3dd4d6" providerId="ADAL" clId="{BCCE40F0-2C08-E944-9716-49BCD39A9F91}" dt="2023-10-05T00:45:35.407" v="1434"/>
+          <ac:spMkLst>
+            <pc:docMk/>
+            <pc:sldMk cId="2405035379" sldId="264"/>
+            <ac:spMk id="4" creationId="{32191AD9-0F85-C63E-66CF-401372E27D7D}"/>
+          </ac:spMkLst>
+        </pc:spChg>
+        <pc:spChg chg="add mod">
+          <ac:chgData name="Muppeda, Anvesh" userId="06b03efe-61ac-428c-8f04-21f5fe3dd4d6" providerId="ADAL" clId="{BCCE40F0-2C08-E944-9716-49BCD39A9F91}" dt="2023-10-05T00:45:35.407" v="1434"/>
+          <ac:spMkLst>
+            <pc:docMk/>
+            <pc:sldMk cId="2405035379" sldId="264"/>
+            <ac:spMk id="6" creationId="{26505642-3A24-3AD5-0D2C-7E925C6EE282}"/>
+          </ac:spMkLst>
+        </pc:spChg>
+        <pc:spChg chg="add mod">
+          <ac:chgData name="Muppeda, Anvesh" userId="06b03efe-61ac-428c-8f04-21f5fe3dd4d6" providerId="ADAL" clId="{BCCE40F0-2C08-E944-9716-49BCD39A9F91}" dt="2023-10-05T00:45:35.407" v="1434"/>
+          <ac:spMkLst>
+            <pc:docMk/>
+            <pc:sldMk cId="2405035379" sldId="264"/>
+            <ac:spMk id="7" creationId="{9607421C-7A12-260E-D669-513F97590EEA}"/>
           </ac:spMkLst>
         </pc:spChg>
         <pc:spChg chg="add">
@@ -512,6 +732,53 @@
             <pc:docMk/>
             <pc:sldMk cId="2405035379" sldId="264"/>
             <ac:picMk id="5" creationId="{347E3443-40E5-0D2C-4FFA-9B354E02C881}"/>
+          </ac:picMkLst>
+        </pc:picChg>
+      </pc:sldChg>
+      <pc:sldChg chg="addSp delSp modSp new mod">
+        <pc:chgData name="Muppeda, Anvesh" userId="06b03efe-61ac-428c-8f04-21f5fe3dd4d6" providerId="ADAL" clId="{BCCE40F0-2C08-E944-9716-49BCD39A9F91}" dt="2023-10-05T00:48:40.123" v="1445" actId="14100"/>
+        <pc:sldMkLst>
+          <pc:docMk/>
+          <pc:sldMk cId="195038931" sldId="265"/>
+        </pc:sldMkLst>
+        <pc:spChg chg="mod">
+          <ac:chgData name="Muppeda, Anvesh" userId="06b03efe-61ac-428c-8f04-21f5fe3dd4d6" providerId="ADAL" clId="{BCCE40F0-2C08-E944-9716-49BCD39A9F91}" dt="2023-10-05T00:46:55.818" v="1437" actId="20577"/>
+          <ac:spMkLst>
+            <pc:docMk/>
+            <pc:sldMk cId="195038931" sldId="265"/>
+            <ac:spMk id="2" creationId="{C307E064-7D3F-D30B-3671-5A22259A984C}"/>
+          </ac:spMkLst>
+        </pc:spChg>
+        <pc:spChg chg="del">
+          <ac:chgData name="Muppeda, Anvesh" userId="06b03efe-61ac-428c-8f04-21f5fe3dd4d6" providerId="ADAL" clId="{BCCE40F0-2C08-E944-9716-49BCD39A9F91}" dt="2023-10-05T00:47:57.497" v="1438" actId="931"/>
+          <ac:spMkLst>
+            <pc:docMk/>
+            <pc:sldMk cId="195038931" sldId="265"/>
+            <ac:spMk id="3" creationId="{24E3C337-33F1-EC5A-E91E-C4E0089D602B}"/>
+          </ac:spMkLst>
+        </pc:spChg>
+        <pc:spChg chg="add mod">
+          <ac:chgData name="Muppeda, Anvesh" userId="06b03efe-61ac-428c-8f04-21f5fe3dd4d6" providerId="ADAL" clId="{BCCE40F0-2C08-E944-9716-49BCD39A9F91}" dt="2023-10-05T00:48:03.369" v="1440" actId="478"/>
+          <ac:spMkLst>
+            <pc:docMk/>
+            <pc:sldMk cId="195038931" sldId="265"/>
+            <ac:spMk id="12" creationId="{B07347E5-4EAD-10DB-6507-DAD1FFB87ABD}"/>
+          </ac:spMkLst>
+        </pc:spChg>
+        <pc:picChg chg="add del mod">
+          <ac:chgData name="Muppeda, Anvesh" userId="06b03efe-61ac-428c-8f04-21f5fe3dd4d6" providerId="ADAL" clId="{BCCE40F0-2C08-E944-9716-49BCD39A9F91}" dt="2023-10-05T00:48:03.369" v="1440" actId="478"/>
+          <ac:picMkLst>
+            <pc:docMk/>
+            <pc:sldMk cId="195038931" sldId="265"/>
+            <ac:picMk id="8" creationId="{38527885-5CE8-6129-4DF5-9D89422AC32A}"/>
+          </ac:picMkLst>
+        </pc:picChg>
+        <pc:picChg chg="add mod">
+          <ac:chgData name="Muppeda, Anvesh" userId="06b03efe-61ac-428c-8f04-21f5fe3dd4d6" providerId="ADAL" clId="{BCCE40F0-2C08-E944-9716-49BCD39A9F91}" dt="2023-10-05T00:48:40.123" v="1445" actId="14100"/>
+          <ac:picMkLst>
+            <pc:docMk/>
+            <pc:sldMk cId="195038931" sldId="265"/>
+            <ac:picMk id="10" creationId="{E3BFAD52-0E5C-CDED-2B65-1F052ECC26C0}"/>
           </ac:picMkLst>
         </pc:picChg>
       </pc:sldChg>
@@ -14986,6 +15253,355 @@
 </dgm:styleDef>
 </file>
 
+<file path=ppt/notesMasters/notesMaster1.xml><?xml version="1.0" encoding="utf-8"?>
+<p:notesMaster xmlns:a="http://schemas.openxmlformats.org/drawingml/2006/main" xmlns:r="http://schemas.openxmlformats.org/officeDocument/2006/relationships" xmlns:p="http://schemas.openxmlformats.org/presentationml/2006/main">
+  <p:cSld>
+    <p:bg>
+      <p:bgRef idx="1001">
+        <a:schemeClr val="bg1"/>
+      </p:bgRef>
+    </p:bg>
+    <p:spTree>
+      <p:nvGrpSpPr>
+        <p:cNvPr id="1" name=""/>
+        <p:cNvGrpSpPr/>
+        <p:nvPr/>
+      </p:nvGrpSpPr>
+      <p:grpSpPr>
+        <a:xfrm>
+          <a:off x="0" y="0"/>
+          <a:ext cx="0" cy="0"/>
+          <a:chOff x="0" y="0"/>
+          <a:chExt cx="0" cy="0"/>
+        </a:xfrm>
+      </p:grpSpPr>
+      <p:sp>
+        <p:nvSpPr>
+          <p:cNvPr id="2" name="Header Placeholder 1"/>
+          <p:cNvSpPr>
+            <a:spLocks noGrp="1"/>
+          </p:cNvSpPr>
+          <p:nvPr>
+            <p:ph type="hdr" sz="quarter"/>
+          </p:nvPr>
+        </p:nvSpPr>
+        <p:spPr>
+          <a:xfrm>
+            <a:off x="0" y="0"/>
+            <a:ext cx="2971800" cy="458788"/>
+          </a:xfrm>
+          <a:prstGeom prst="rect">
+            <a:avLst/>
+          </a:prstGeom>
+        </p:spPr>
+        <p:txBody>
+          <a:bodyPr vert="horz" lIns="91440" tIns="45720" rIns="91440" bIns="45720" rtlCol="0"/>
+          <a:lstStyle>
+            <a:lvl1pPr algn="l">
+              <a:defRPr sz="1200"/>
+            </a:lvl1pPr>
+          </a:lstStyle>
+          <a:p>
+            <a:endParaRPr lang="en-US"/>
+          </a:p>
+        </p:txBody>
+      </p:sp>
+      <p:sp>
+        <p:nvSpPr>
+          <p:cNvPr id="3" name="Date Placeholder 2"/>
+          <p:cNvSpPr>
+            <a:spLocks noGrp="1"/>
+          </p:cNvSpPr>
+          <p:nvPr>
+            <p:ph type="dt" idx="1"/>
+          </p:nvPr>
+        </p:nvSpPr>
+        <p:spPr>
+          <a:xfrm>
+            <a:off x="3884613" y="0"/>
+            <a:ext cx="2971800" cy="458788"/>
+          </a:xfrm>
+          <a:prstGeom prst="rect">
+            <a:avLst/>
+          </a:prstGeom>
+        </p:spPr>
+        <p:txBody>
+          <a:bodyPr vert="horz" lIns="91440" tIns="45720" rIns="91440" bIns="45720" rtlCol="0"/>
+          <a:lstStyle>
+            <a:lvl1pPr algn="r">
+              <a:defRPr sz="1200"/>
+            </a:lvl1pPr>
+          </a:lstStyle>
+          <a:p>
+            <a:fld id="{4C4E02F5-9305-8A40-8DE4-8A3231D9D9AC}" type="datetimeFigureOut">
+              <a:rPr lang="en-US" smtClean="0"/>
+              <a:t>10/4/23</a:t>
+            </a:fld>
+            <a:endParaRPr lang="en-US"/>
+          </a:p>
+        </p:txBody>
+      </p:sp>
+      <p:sp>
+        <p:nvSpPr>
+          <p:cNvPr id="4" name="Slide Image Placeholder 3"/>
+          <p:cNvSpPr>
+            <a:spLocks noGrp="1" noRot="1" noChangeAspect="1"/>
+          </p:cNvSpPr>
+          <p:nvPr>
+            <p:ph type="sldImg" idx="2"/>
+          </p:nvPr>
+        </p:nvSpPr>
+        <p:spPr>
+          <a:xfrm>
+            <a:off x="685800" y="1143000"/>
+            <a:ext cx="5486400" cy="3086100"/>
+          </a:xfrm>
+          <a:prstGeom prst="rect">
+            <a:avLst/>
+          </a:prstGeom>
+          <a:noFill/>
+          <a:ln w="12700">
+            <a:solidFill>
+              <a:prstClr val="black"/>
+            </a:solidFill>
+          </a:ln>
+        </p:spPr>
+        <p:txBody>
+          <a:bodyPr vert="horz" lIns="91440" tIns="45720" rIns="91440" bIns="45720" rtlCol="0" anchor="ctr"/>
+          <a:lstStyle/>
+          <a:p>
+            <a:endParaRPr lang="en-US"/>
+          </a:p>
+        </p:txBody>
+      </p:sp>
+      <p:sp>
+        <p:nvSpPr>
+          <p:cNvPr id="5" name="Notes Placeholder 4"/>
+          <p:cNvSpPr>
+            <a:spLocks noGrp="1"/>
+          </p:cNvSpPr>
+          <p:nvPr>
+            <p:ph type="body" sz="quarter" idx="3"/>
+          </p:nvPr>
+        </p:nvSpPr>
+        <p:spPr>
+          <a:xfrm>
+            <a:off x="685800" y="4400550"/>
+            <a:ext cx="5486400" cy="3600450"/>
+          </a:xfrm>
+          <a:prstGeom prst="rect">
+            <a:avLst/>
+          </a:prstGeom>
+        </p:spPr>
+        <p:txBody>
+          <a:bodyPr vert="horz" lIns="91440" tIns="45720" rIns="91440" bIns="45720" rtlCol="0"/>
+          <a:lstStyle/>
+          <a:p>
+            <a:pPr lvl="0"/>
+            <a:r>
+              <a:rPr lang="en-US"/>
+              <a:t>Click to edit Master text styles</a:t>
+            </a:r>
+          </a:p>
+          <a:p>
+            <a:pPr lvl="1"/>
+            <a:r>
+              <a:rPr lang="en-US"/>
+              <a:t>Second level</a:t>
+            </a:r>
+          </a:p>
+          <a:p>
+            <a:pPr lvl="2"/>
+            <a:r>
+              <a:rPr lang="en-US"/>
+              <a:t>Third level</a:t>
+            </a:r>
+          </a:p>
+          <a:p>
+            <a:pPr lvl="3"/>
+            <a:r>
+              <a:rPr lang="en-US"/>
+              <a:t>Fourth level</a:t>
+            </a:r>
+          </a:p>
+          <a:p>
+            <a:pPr lvl="4"/>
+            <a:r>
+              <a:rPr lang="en-US"/>
+              <a:t>Fifth level</a:t>
+            </a:r>
+          </a:p>
+        </p:txBody>
+      </p:sp>
+      <p:sp>
+        <p:nvSpPr>
+          <p:cNvPr id="6" name="Footer Placeholder 5"/>
+          <p:cNvSpPr>
+            <a:spLocks noGrp="1"/>
+          </p:cNvSpPr>
+          <p:nvPr>
+            <p:ph type="ftr" sz="quarter" idx="4"/>
+          </p:nvPr>
+        </p:nvSpPr>
+        <p:spPr>
+          <a:xfrm>
+            <a:off x="0" y="8685213"/>
+            <a:ext cx="2971800" cy="458787"/>
+          </a:xfrm>
+          <a:prstGeom prst="rect">
+            <a:avLst/>
+          </a:prstGeom>
+        </p:spPr>
+        <p:txBody>
+          <a:bodyPr vert="horz" lIns="91440" tIns="45720" rIns="91440" bIns="45720" rtlCol="0" anchor="b"/>
+          <a:lstStyle>
+            <a:lvl1pPr algn="l">
+              <a:defRPr sz="1200"/>
+            </a:lvl1pPr>
+          </a:lstStyle>
+          <a:p>
+            <a:endParaRPr lang="en-US"/>
+          </a:p>
+        </p:txBody>
+      </p:sp>
+      <p:sp>
+        <p:nvSpPr>
+          <p:cNvPr id="7" name="Slide Number Placeholder 6"/>
+          <p:cNvSpPr>
+            <a:spLocks noGrp="1"/>
+          </p:cNvSpPr>
+          <p:nvPr>
+            <p:ph type="sldNum" sz="quarter" idx="5"/>
+          </p:nvPr>
+        </p:nvSpPr>
+        <p:spPr>
+          <a:xfrm>
+            <a:off x="3884613" y="8685213"/>
+            <a:ext cx="2971800" cy="458787"/>
+          </a:xfrm>
+          <a:prstGeom prst="rect">
+            <a:avLst/>
+          </a:prstGeom>
+        </p:spPr>
+        <p:txBody>
+          <a:bodyPr vert="horz" lIns="91440" tIns="45720" rIns="91440" bIns="45720" rtlCol="0" anchor="b"/>
+          <a:lstStyle>
+            <a:lvl1pPr algn="r">
+              <a:defRPr sz="1200"/>
+            </a:lvl1pPr>
+          </a:lstStyle>
+          <a:p>
+            <a:fld id="{E1EE5FAC-2BFE-224B-A842-C7D5A35085EA}" type="slidenum">
+              <a:rPr lang="en-US" smtClean="0"/>
+              <a:t>‹#›</a:t>
+            </a:fld>
+            <a:endParaRPr lang="en-US"/>
+          </a:p>
+        </p:txBody>
+      </p:sp>
+    </p:spTree>
+    <p:extLst>
+      <p:ext uri="{BB962C8B-B14F-4D97-AF65-F5344CB8AC3E}">
+        <p14:creationId xmlns:p14="http://schemas.microsoft.com/office/powerpoint/2010/main" val="1250686692"/>
+      </p:ext>
+    </p:extLst>
+  </p:cSld>
+  <p:clrMap bg1="lt1" tx1="dk1" bg2="lt2" tx2="dk2" accent1="accent1" accent2="accent2" accent3="accent3" accent4="accent4" accent5="accent5" accent6="accent6" hlink="hlink" folHlink="folHlink"/>
+  <p:notesStyle>
+    <a:lvl1pPr marL="0" algn="l" defTabSz="914400" rtl="0" eaLnBrk="1" latinLnBrk="0" hangingPunct="1">
+      <a:defRPr sz="1200" kern="1200">
+        <a:solidFill>
+          <a:schemeClr val="tx1"/>
+        </a:solidFill>
+        <a:latin typeface="+mn-lt"/>
+        <a:ea typeface="+mn-ea"/>
+        <a:cs typeface="+mn-cs"/>
+      </a:defRPr>
+    </a:lvl1pPr>
+    <a:lvl2pPr marL="457200" algn="l" defTabSz="914400" rtl="0" eaLnBrk="1" latinLnBrk="0" hangingPunct="1">
+      <a:defRPr sz="1200" kern="1200">
+        <a:solidFill>
+          <a:schemeClr val="tx1"/>
+        </a:solidFill>
+        <a:latin typeface="+mn-lt"/>
+        <a:ea typeface="+mn-ea"/>
+        <a:cs typeface="+mn-cs"/>
+      </a:defRPr>
+    </a:lvl2pPr>
+    <a:lvl3pPr marL="914400" algn="l" defTabSz="914400" rtl="0" eaLnBrk="1" latinLnBrk="0" hangingPunct="1">
+      <a:defRPr sz="1200" kern="1200">
+        <a:solidFill>
+          <a:schemeClr val="tx1"/>
+        </a:solidFill>
+        <a:latin typeface="+mn-lt"/>
+        <a:ea typeface="+mn-ea"/>
+        <a:cs typeface="+mn-cs"/>
+      </a:defRPr>
+    </a:lvl3pPr>
+    <a:lvl4pPr marL="1371600" algn="l" defTabSz="914400" rtl="0" eaLnBrk="1" latinLnBrk="0" hangingPunct="1">
+      <a:defRPr sz="1200" kern="1200">
+        <a:solidFill>
+          <a:schemeClr val="tx1"/>
+        </a:solidFill>
+        <a:latin typeface="+mn-lt"/>
+        <a:ea typeface="+mn-ea"/>
+        <a:cs typeface="+mn-cs"/>
+      </a:defRPr>
+    </a:lvl4pPr>
+    <a:lvl5pPr marL="1828800" algn="l" defTabSz="914400" rtl="0" eaLnBrk="1" latinLnBrk="0" hangingPunct="1">
+      <a:defRPr sz="1200" kern="1200">
+        <a:solidFill>
+          <a:schemeClr val="tx1"/>
+        </a:solidFill>
+        <a:latin typeface="+mn-lt"/>
+        <a:ea typeface="+mn-ea"/>
+        <a:cs typeface="+mn-cs"/>
+      </a:defRPr>
+    </a:lvl5pPr>
+    <a:lvl6pPr marL="2286000" algn="l" defTabSz="914400" rtl="0" eaLnBrk="1" latinLnBrk="0" hangingPunct="1">
+      <a:defRPr sz="1200" kern="1200">
+        <a:solidFill>
+          <a:schemeClr val="tx1"/>
+        </a:solidFill>
+        <a:latin typeface="+mn-lt"/>
+        <a:ea typeface="+mn-ea"/>
+        <a:cs typeface="+mn-cs"/>
+      </a:defRPr>
+    </a:lvl6pPr>
+    <a:lvl7pPr marL="2743200" algn="l" defTabSz="914400" rtl="0" eaLnBrk="1" latinLnBrk="0" hangingPunct="1">
+      <a:defRPr sz="1200" kern="1200">
+        <a:solidFill>
+          <a:schemeClr val="tx1"/>
+        </a:solidFill>
+        <a:latin typeface="+mn-lt"/>
+        <a:ea typeface="+mn-ea"/>
+        <a:cs typeface="+mn-cs"/>
+      </a:defRPr>
+    </a:lvl7pPr>
+    <a:lvl8pPr marL="3200400" algn="l" defTabSz="914400" rtl="0" eaLnBrk="1" latinLnBrk="0" hangingPunct="1">
+      <a:defRPr sz="1200" kern="1200">
+        <a:solidFill>
+          <a:schemeClr val="tx1"/>
+        </a:solidFill>
+        <a:latin typeface="+mn-lt"/>
+        <a:ea typeface="+mn-ea"/>
+        <a:cs typeface="+mn-cs"/>
+      </a:defRPr>
+    </a:lvl8pPr>
+    <a:lvl9pPr marL="3657600" algn="l" defTabSz="914400" rtl="0" eaLnBrk="1" latinLnBrk="0" hangingPunct="1">
+      <a:defRPr sz="1200" kern="1200">
+        <a:solidFill>
+          <a:schemeClr val="tx1"/>
+        </a:solidFill>
+        <a:latin typeface="+mn-lt"/>
+        <a:ea typeface="+mn-ea"/>
+        <a:cs typeface="+mn-cs"/>
+      </a:defRPr>
+    </a:lvl9pPr>
+  </p:notesStyle>
+</p:notesMaster>
+</file>
+
 <file path=ppt/slideLayouts/slideLayout1.xml><?xml version="1.0" encoding="utf-8"?>
 <p:sldLayout xmlns:a="http://schemas.openxmlformats.org/drawingml/2006/main" xmlns:r="http://schemas.openxmlformats.org/officeDocument/2006/relationships" xmlns:p="http://schemas.openxmlformats.org/presentationml/2006/main" type="title" preserve="1">
   <p:cSld name="Title Slide">
@@ -15131,11 +15747,10 @@
           <a:bodyPr/>
           <a:lstStyle/>
           <a:p>
-            <a:fld id="{21D9615D-21DF-9046-9B3F-6C462C07C85F}" type="datetimeFigureOut">
-              <a:rPr lang="en-US" smtClean="0"/>
+            <a:r>
+              <a:rPr lang="en-US"/>
               <a:t>10/4/23</a:t>
-            </a:fld>
-            <a:endParaRPr lang="en-US"/>
+            </a:r>
           </a:p>
         </p:txBody>
       </p:sp>
@@ -15160,7 +15775,10 @@
           <a:bodyPr/>
           <a:lstStyle/>
           <a:p>
-            <a:endParaRPr lang="en-US"/>
+            <a:r>
+              <a:rPr lang="en-US"/>
+              <a:t>Day-1</a:t>
+            </a:r>
           </a:p>
         </p:txBody>
       </p:sp>
@@ -15329,11 +15947,10 @@
           <a:bodyPr/>
           <a:lstStyle/>
           <a:p>
-            <a:fld id="{21D9615D-21DF-9046-9B3F-6C462C07C85F}" type="datetimeFigureOut">
-              <a:rPr lang="en-US" smtClean="0"/>
+            <a:r>
+              <a:rPr lang="en-US"/>
               <a:t>10/4/23</a:t>
-            </a:fld>
-            <a:endParaRPr lang="en-US"/>
+            </a:r>
           </a:p>
         </p:txBody>
       </p:sp>
@@ -15358,7 +15975,10 @@
           <a:bodyPr/>
           <a:lstStyle/>
           <a:p>
-            <a:endParaRPr lang="en-US"/>
+            <a:r>
+              <a:rPr lang="en-US"/>
+              <a:t>Day-1</a:t>
+            </a:r>
           </a:p>
         </p:txBody>
       </p:sp>
@@ -15537,11 +16157,10 @@
           <a:bodyPr/>
           <a:lstStyle/>
           <a:p>
-            <a:fld id="{21D9615D-21DF-9046-9B3F-6C462C07C85F}" type="datetimeFigureOut">
-              <a:rPr lang="en-US" smtClean="0"/>
+            <a:r>
+              <a:rPr lang="en-US"/>
               <a:t>10/4/23</a:t>
-            </a:fld>
-            <a:endParaRPr lang="en-US"/>
+            </a:r>
           </a:p>
         </p:txBody>
       </p:sp>
@@ -15566,7 +16185,10 @@
           <a:bodyPr/>
           <a:lstStyle/>
           <a:p>
-            <a:endParaRPr lang="en-US"/>
+            <a:r>
+              <a:rPr lang="en-US"/>
+              <a:t>Day-1</a:t>
+            </a:r>
           </a:p>
         </p:txBody>
       </p:sp>
@@ -15735,11 +16357,10 @@
           <a:bodyPr/>
           <a:lstStyle/>
           <a:p>
-            <a:fld id="{21D9615D-21DF-9046-9B3F-6C462C07C85F}" type="datetimeFigureOut">
-              <a:rPr lang="en-US" smtClean="0"/>
+            <a:r>
+              <a:rPr lang="en-US"/>
               <a:t>10/4/23</a:t>
-            </a:fld>
-            <a:endParaRPr lang="en-US"/>
+            </a:r>
           </a:p>
         </p:txBody>
       </p:sp>
@@ -15764,7 +16385,10 @@
           <a:bodyPr/>
           <a:lstStyle/>
           <a:p>
-            <a:endParaRPr lang="en-US"/>
+            <a:r>
+              <a:rPr lang="en-US"/>
+              <a:t>Day-1</a:t>
+            </a:r>
           </a:p>
         </p:txBody>
       </p:sp>
@@ -16010,11 +16634,10 @@
           <a:bodyPr/>
           <a:lstStyle/>
           <a:p>
-            <a:fld id="{21D9615D-21DF-9046-9B3F-6C462C07C85F}" type="datetimeFigureOut">
-              <a:rPr lang="en-US" smtClean="0"/>
+            <a:r>
+              <a:rPr lang="en-US"/>
               <a:t>10/4/23</a:t>
-            </a:fld>
-            <a:endParaRPr lang="en-US"/>
+            </a:r>
           </a:p>
         </p:txBody>
       </p:sp>
@@ -16039,7 +16662,10 @@
           <a:bodyPr/>
           <a:lstStyle/>
           <a:p>
-            <a:endParaRPr lang="en-US"/>
+            <a:r>
+              <a:rPr lang="en-US"/>
+              <a:t>Day-1</a:t>
+            </a:r>
           </a:p>
         </p:txBody>
       </p:sp>
@@ -16275,11 +16901,10 @@
           <a:bodyPr/>
           <a:lstStyle/>
           <a:p>
-            <a:fld id="{21D9615D-21DF-9046-9B3F-6C462C07C85F}" type="datetimeFigureOut">
-              <a:rPr lang="en-US" smtClean="0"/>
+            <a:r>
+              <a:rPr lang="en-US"/>
               <a:t>10/4/23</a:t>
-            </a:fld>
-            <a:endParaRPr lang="en-US"/>
+            </a:r>
           </a:p>
         </p:txBody>
       </p:sp>
@@ -16304,7 +16929,10 @@
           <a:bodyPr/>
           <a:lstStyle/>
           <a:p>
-            <a:endParaRPr lang="en-US"/>
+            <a:r>
+              <a:rPr lang="en-US"/>
+              <a:t>Day-1</a:t>
+            </a:r>
           </a:p>
         </p:txBody>
       </p:sp>
@@ -16687,11 +17315,10 @@
           <a:bodyPr/>
           <a:lstStyle/>
           <a:p>
-            <a:fld id="{21D9615D-21DF-9046-9B3F-6C462C07C85F}" type="datetimeFigureOut">
-              <a:rPr lang="en-US" smtClean="0"/>
+            <a:r>
+              <a:rPr lang="en-US"/>
               <a:t>10/4/23</a:t>
-            </a:fld>
-            <a:endParaRPr lang="en-US"/>
+            </a:r>
           </a:p>
         </p:txBody>
       </p:sp>
@@ -16716,7 +17343,10 @@
           <a:bodyPr/>
           <a:lstStyle/>
           <a:p>
-            <a:endParaRPr lang="en-US"/>
+            <a:r>
+              <a:rPr lang="en-US"/>
+              <a:t>Day-1</a:t>
+            </a:r>
           </a:p>
         </p:txBody>
       </p:sp>
@@ -16828,11 +17458,10 @@
           <a:bodyPr/>
           <a:lstStyle/>
           <a:p>
-            <a:fld id="{21D9615D-21DF-9046-9B3F-6C462C07C85F}" type="datetimeFigureOut">
-              <a:rPr lang="en-US" smtClean="0"/>
+            <a:r>
+              <a:rPr lang="en-US"/>
               <a:t>10/4/23</a:t>
-            </a:fld>
-            <a:endParaRPr lang="en-US"/>
+            </a:r>
           </a:p>
         </p:txBody>
       </p:sp>
@@ -16857,7 +17486,10 @@
           <a:bodyPr/>
           <a:lstStyle/>
           <a:p>
-            <a:endParaRPr lang="en-US"/>
+            <a:r>
+              <a:rPr lang="en-US"/>
+              <a:t>Day-1</a:t>
+            </a:r>
           </a:p>
         </p:txBody>
       </p:sp>
@@ -16941,11 +17573,10 @@
           <a:bodyPr/>
           <a:lstStyle/>
           <a:p>
-            <a:fld id="{21D9615D-21DF-9046-9B3F-6C462C07C85F}" type="datetimeFigureOut">
-              <a:rPr lang="en-US" smtClean="0"/>
+            <a:r>
+              <a:rPr lang="en-US"/>
               <a:t>10/4/23</a:t>
-            </a:fld>
-            <a:endParaRPr lang="en-US"/>
+            </a:r>
           </a:p>
         </p:txBody>
       </p:sp>
@@ -16970,7 +17601,10 @@
           <a:bodyPr/>
           <a:lstStyle/>
           <a:p>
-            <a:endParaRPr lang="en-US"/>
+            <a:r>
+              <a:rPr lang="en-US"/>
+              <a:t>Day-1</a:t>
+            </a:r>
           </a:p>
         </p:txBody>
       </p:sp>
@@ -17252,11 +17886,10 @@
           <a:bodyPr/>
           <a:lstStyle/>
           <a:p>
-            <a:fld id="{21D9615D-21DF-9046-9B3F-6C462C07C85F}" type="datetimeFigureOut">
-              <a:rPr lang="en-US" smtClean="0"/>
+            <a:r>
+              <a:rPr lang="en-US"/>
               <a:t>10/4/23</a:t>
-            </a:fld>
-            <a:endParaRPr lang="en-US"/>
+            </a:r>
           </a:p>
         </p:txBody>
       </p:sp>
@@ -17281,7 +17914,10 @@
           <a:bodyPr/>
           <a:lstStyle/>
           <a:p>
-            <a:endParaRPr lang="en-US"/>
+            <a:r>
+              <a:rPr lang="en-US"/>
+              <a:t>Day-1</a:t>
+            </a:r>
           </a:p>
         </p:txBody>
       </p:sp>
@@ -17540,11 +18176,10 @@
           <a:bodyPr/>
           <a:lstStyle/>
           <a:p>
-            <a:fld id="{21D9615D-21DF-9046-9B3F-6C462C07C85F}" type="datetimeFigureOut">
-              <a:rPr lang="en-US" smtClean="0"/>
+            <a:r>
+              <a:rPr lang="en-US"/>
               <a:t>10/4/23</a:t>
-            </a:fld>
-            <a:endParaRPr lang="en-US"/>
+            </a:r>
           </a:p>
         </p:txBody>
       </p:sp>
@@ -17569,7 +18204,10 @@
           <a:bodyPr/>
           <a:lstStyle/>
           <a:p>
-            <a:endParaRPr lang="en-US"/>
+            <a:r>
+              <a:rPr lang="en-US"/>
+              <a:t>Day-1</a:t>
+            </a:r>
           </a:p>
         </p:txBody>
       </p:sp>
@@ -17781,11 +18419,10 @@
             </a:lvl1pPr>
           </a:lstStyle>
           <a:p>
-            <a:fld id="{21D9615D-21DF-9046-9B3F-6C462C07C85F}" type="datetimeFigureOut">
-              <a:rPr lang="en-US" smtClean="0"/>
+            <a:r>
+              <a:rPr lang="en-US"/>
               <a:t>10/4/23</a:t>
-            </a:fld>
-            <a:endParaRPr lang="en-US"/>
+            </a:r>
           </a:p>
         </p:txBody>
       </p:sp>
@@ -17828,7 +18465,10 @@
             </a:lvl1pPr>
           </a:lstStyle>
           <a:p>
-            <a:endParaRPr lang="en-US"/>
+            <a:r>
+              <a:rPr lang="en-US"/>
+              <a:t>Day-1</a:t>
+            </a:r>
           </a:p>
         </p:txBody>
       </p:sp>
@@ -17900,6 +18540,7 @@
     <p:sldLayoutId id="2147483658" r:id="rId10"/>
     <p:sldLayoutId id="2147483659" r:id="rId11"/>
   </p:sldLayoutIdLst>
+  <p:hf hdr="0"/>
   <p:txStyles>
     <p:titleStyle>
       <a:lvl1pPr algn="l" defTabSz="914400" rtl="0" eaLnBrk="1" latinLnBrk="0" hangingPunct="1">
@@ -18466,10 +19107,296 @@
           </a:p>
         </p:txBody>
       </p:sp>
+      <p:sp>
+        <p:nvSpPr>
+          <p:cNvPr id="4" name="Date Placeholder 3">
+            <a:extLst>
+              <a:ext uri="{FF2B5EF4-FFF2-40B4-BE49-F238E27FC236}">
+                <a16:creationId xmlns:a16="http://schemas.microsoft.com/office/drawing/2014/main" id="{570AB95A-CAFB-AA14-95F1-3CD94775F186}"/>
+              </a:ext>
+            </a:extLst>
+          </p:cNvPr>
+          <p:cNvSpPr>
+            <a:spLocks noGrp="1"/>
+          </p:cNvSpPr>
+          <p:nvPr>
+            <p:ph type="dt" sz="half" idx="10"/>
+          </p:nvPr>
+        </p:nvSpPr>
+        <p:spPr/>
+        <p:txBody>
+          <a:bodyPr/>
+          <a:lstStyle/>
+          <a:p>
+            <a:r>
+              <a:rPr lang="en-US"/>
+              <a:t>10/4/23</a:t>
+            </a:r>
+          </a:p>
+        </p:txBody>
+      </p:sp>
+      <p:sp>
+        <p:nvSpPr>
+          <p:cNvPr id="5" name="Footer Placeholder 4">
+            <a:extLst>
+              <a:ext uri="{FF2B5EF4-FFF2-40B4-BE49-F238E27FC236}">
+                <a16:creationId xmlns:a16="http://schemas.microsoft.com/office/drawing/2014/main" id="{C398DA7E-28B4-27A1-B22C-E3E72FBDEAAD}"/>
+              </a:ext>
+            </a:extLst>
+          </p:cNvPr>
+          <p:cNvSpPr>
+            <a:spLocks noGrp="1"/>
+          </p:cNvSpPr>
+          <p:nvPr>
+            <p:ph type="ftr" sz="quarter" idx="11"/>
+          </p:nvPr>
+        </p:nvSpPr>
+        <p:spPr/>
+        <p:txBody>
+          <a:bodyPr/>
+          <a:lstStyle/>
+          <a:p>
+            <a:r>
+              <a:rPr lang="en-US"/>
+              <a:t>Day-1</a:t>
+            </a:r>
+          </a:p>
+        </p:txBody>
+      </p:sp>
+      <p:sp>
+        <p:nvSpPr>
+          <p:cNvPr id="6" name="Slide Number Placeholder 5">
+            <a:extLst>
+              <a:ext uri="{FF2B5EF4-FFF2-40B4-BE49-F238E27FC236}">
+                <a16:creationId xmlns:a16="http://schemas.microsoft.com/office/drawing/2014/main" id="{23F44D0E-E7A5-3A43-D3CA-29696517E473}"/>
+              </a:ext>
+            </a:extLst>
+          </p:cNvPr>
+          <p:cNvSpPr>
+            <a:spLocks noGrp="1"/>
+          </p:cNvSpPr>
+          <p:nvPr>
+            <p:ph type="sldNum" sz="quarter" idx="12"/>
+          </p:nvPr>
+        </p:nvSpPr>
+        <p:spPr/>
+        <p:txBody>
+          <a:bodyPr/>
+          <a:lstStyle/>
+          <a:p>
+            <a:fld id="{930FAEA0-FD60-A645-B5D5-2526792147FC}" type="slidenum">
+              <a:rPr lang="en-US" smtClean="0"/>
+              <a:t>1</a:t>
+            </a:fld>
+            <a:endParaRPr lang="en-US"/>
+          </a:p>
+        </p:txBody>
+      </p:sp>
     </p:spTree>
     <p:extLst>
       <p:ext uri="{BB962C8B-B14F-4D97-AF65-F5344CB8AC3E}">
         <p14:creationId xmlns:p14="http://schemas.microsoft.com/office/powerpoint/2010/main" val="3137756827"/>
+      </p:ext>
+    </p:extLst>
+  </p:cSld>
+  <p:clrMapOvr>
+    <a:masterClrMapping/>
+  </p:clrMapOvr>
+</p:sld>
+</file>
+
+<file path=ppt/slides/slide10.xml><?xml version="1.0" encoding="utf-8"?>
+<p:sld xmlns:a="http://schemas.openxmlformats.org/drawingml/2006/main" xmlns:r="http://schemas.openxmlformats.org/officeDocument/2006/relationships" xmlns:p="http://schemas.openxmlformats.org/presentationml/2006/main">
+  <p:cSld>
+    <p:spTree>
+      <p:nvGrpSpPr>
+        <p:cNvPr id="1" name=""/>
+        <p:cNvGrpSpPr/>
+        <p:nvPr/>
+      </p:nvGrpSpPr>
+      <p:grpSpPr>
+        <a:xfrm>
+          <a:off x="0" y="0"/>
+          <a:ext cx="0" cy="0"/>
+          <a:chOff x="0" y="0"/>
+          <a:chExt cx="0" cy="0"/>
+        </a:xfrm>
+      </p:grpSpPr>
+      <p:sp>
+        <p:nvSpPr>
+          <p:cNvPr id="2" name="Title 1">
+            <a:extLst>
+              <a:ext uri="{FF2B5EF4-FFF2-40B4-BE49-F238E27FC236}">
+                <a16:creationId xmlns:a16="http://schemas.microsoft.com/office/drawing/2014/main" id="{C307E064-7D3F-D30B-3671-5A22259A984C}"/>
+              </a:ext>
+            </a:extLst>
+          </p:cNvPr>
+          <p:cNvSpPr>
+            <a:spLocks noGrp="1"/>
+          </p:cNvSpPr>
+          <p:nvPr>
+            <p:ph type="title"/>
+          </p:nvPr>
+        </p:nvSpPr>
+        <p:spPr/>
+        <p:txBody>
+          <a:bodyPr/>
+          <a:lstStyle/>
+          <a:p>
+            <a:endParaRPr lang="en-US" dirty="0"/>
+          </a:p>
+        </p:txBody>
+      </p:sp>
+      <p:sp>
+        <p:nvSpPr>
+          <p:cNvPr id="4" name="Date Placeholder 3">
+            <a:extLst>
+              <a:ext uri="{FF2B5EF4-FFF2-40B4-BE49-F238E27FC236}">
+                <a16:creationId xmlns:a16="http://schemas.microsoft.com/office/drawing/2014/main" id="{A02C9BA8-D973-CEFD-0090-C5B48F3A1516}"/>
+              </a:ext>
+            </a:extLst>
+          </p:cNvPr>
+          <p:cNvSpPr>
+            <a:spLocks noGrp="1"/>
+          </p:cNvSpPr>
+          <p:nvPr>
+            <p:ph type="dt" sz="half" idx="10"/>
+          </p:nvPr>
+        </p:nvSpPr>
+        <p:spPr/>
+        <p:txBody>
+          <a:bodyPr/>
+          <a:lstStyle/>
+          <a:p>
+            <a:r>
+              <a:rPr lang="en-US"/>
+              <a:t>10/4/23</a:t>
+            </a:r>
+          </a:p>
+        </p:txBody>
+      </p:sp>
+      <p:sp>
+        <p:nvSpPr>
+          <p:cNvPr id="5" name="Footer Placeholder 4">
+            <a:extLst>
+              <a:ext uri="{FF2B5EF4-FFF2-40B4-BE49-F238E27FC236}">
+                <a16:creationId xmlns:a16="http://schemas.microsoft.com/office/drawing/2014/main" id="{F348EC66-0808-E4F5-95C3-6795C854177D}"/>
+              </a:ext>
+            </a:extLst>
+          </p:cNvPr>
+          <p:cNvSpPr>
+            <a:spLocks noGrp="1"/>
+          </p:cNvSpPr>
+          <p:nvPr>
+            <p:ph type="ftr" sz="quarter" idx="11"/>
+          </p:nvPr>
+        </p:nvSpPr>
+        <p:spPr/>
+        <p:txBody>
+          <a:bodyPr/>
+          <a:lstStyle/>
+          <a:p>
+            <a:r>
+              <a:rPr lang="en-US"/>
+              <a:t>Day-1</a:t>
+            </a:r>
+          </a:p>
+        </p:txBody>
+      </p:sp>
+      <p:sp>
+        <p:nvSpPr>
+          <p:cNvPr id="6" name="Slide Number Placeholder 5">
+            <a:extLst>
+              <a:ext uri="{FF2B5EF4-FFF2-40B4-BE49-F238E27FC236}">
+                <a16:creationId xmlns:a16="http://schemas.microsoft.com/office/drawing/2014/main" id="{B280D98C-496B-2562-59D1-108BE7DECB11}"/>
+              </a:ext>
+            </a:extLst>
+          </p:cNvPr>
+          <p:cNvSpPr>
+            <a:spLocks noGrp="1"/>
+          </p:cNvSpPr>
+          <p:nvPr>
+            <p:ph type="sldNum" sz="quarter" idx="12"/>
+          </p:nvPr>
+        </p:nvSpPr>
+        <p:spPr/>
+        <p:txBody>
+          <a:bodyPr/>
+          <a:lstStyle/>
+          <a:p>
+            <a:fld id="{930FAEA0-FD60-A645-B5D5-2526792147FC}" type="slidenum">
+              <a:rPr lang="en-US" smtClean="0"/>
+              <a:t>10</a:t>
+            </a:fld>
+            <a:endParaRPr lang="en-US"/>
+          </a:p>
+        </p:txBody>
+      </p:sp>
+      <p:pic>
+        <p:nvPicPr>
+          <p:cNvPr id="10" name="Picture 9" descr="A hands holding light bulbs and question marks&#10;&#10;Description automatically generated">
+            <a:extLst>
+              <a:ext uri="{FF2B5EF4-FFF2-40B4-BE49-F238E27FC236}">
+                <a16:creationId xmlns:a16="http://schemas.microsoft.com/office/drawing/2014/main" id="{E3BFAD52-0E5C-CDED-2B65-1F052ECC26C0}"/>
+              </a:ext>
+            </a:extLst>
+          </p:cNvPr>
+          <p:cNvPicPr>
+            <a:picLocks noChangeAspect="1"/>
+          </p:cNvPicPr>
+          <p:nvPr/>
+        </p:nvPicPr>
+        <p:blipFill>
+          <a:blip r:embed="rId2">
+            <a:extLst>
+              <a:ext uri="{837473B0-CC2E-450A-ABE3-18F120FF3D39}">
+                <a1611:picAttrSrcUrl xmlns:a1611="http://schemas.microsoft.com/office/drawing/2016/11/main" r:id="rId3"/>
+              </a:ext>
+            </a:extLst>
+          </a:blip>
+          <a:stretch>
+            <a:fillRect/>
+          </a:stretch>
+        </p:blipFill>
+        <p:spPr>
+          <a:xfrm>
+            <a:off x="838200" y="365125"/>
+            <a:ext cx="10515600" cy="5811838"/>
+          </a:xfrm>
+          <a:prstGeom prst="rect">
+            <a:avLst/>
+          </a:prstGeom>
+        </p:spPr>
+      </p:pic>
+      <p:sp>
+        <p:nvSpPr>
+          <p:cNvPr id="12" name="Content Placeholder 11">
+            <a:extLst>
+              <a:ext uri="{FF2B5EF4-FFF2-40B4-BE49-F238E27FC236}">
+                <a16:creationId xmlns:a16="http://schemas.microsoft.com/office/drawing/2014/main" id="{B07347E5-4EAD-10DB-6507-DAD1FFB87ABD}"/>
+              </a:ext>
+            </a:extLst>
+          </p:cNvPr>
+          <p:cNvSpPr>
+            <a:spLocks noGrp="1"/>
+          </p:cNvSpPr>
+          <p:nvPr>
+            <p:ph idx="1"/>
+          </p:nvPr>
+        </p:nvSpPr>
+        <p:spPr/>
+        <p:txBody>
+          <a:bodyPr/>
+          <a:lstStyle/>
+          <a:p>
+            <a:endParaRPr lang="en-US" dirty="0"/>
+          </a:p>
+        </p:txBody>
+      </p:sp>
+    </p:spTree>
+    <p:extLst>
+      <p:ext uri="{BB962C8B-B14F-4D97-AF65-F5344CB8AC3E}">
+        <p14:creationId xmlns:p14="http://schemas.microsoft.com/office/powerpoint/2010/main" val="195038931"/>
       </p:ext>
     </p:extLst>
   </p:cSld>
@@ -19114,6 +20041,91 @@
           </a:p>
         </p:txBody>
       </p:sp>
+      <p:sp>
+        <p:nvSpPr>
+          <p:cNvPr id="5" name="Date Placeholder 4">
+            <a:extLst>
+              <a:ext uri="{FF2B5EF4-FFF2-40B4-BE49-F238E27FC236}">
+                <a16:creationId xmlns:a16="http://schemas.microsoft.com/office/drawing/2014/main" id="{70B1C0FD-E180-24FA-565B-F042AF49B702}"/>
+              </a:ext>
+            </a:extLst>
+          </p:cNvPr>
+          <p:cNvSpPr>
+            <a:spLocks noGrp="1"/>
+          </p:cNvSpPr>
+          <p:nvPr>
+            <p:ph type="dt" sz="half" idx="10"/>
+          </p:nvPr>
+        </p:nvSpPr>
+        <p:spPr/>
+        <p:txBody>
+          <a:bodyPr/>
+          <a:lstStyle/>
+          <a:p>
+            <a:r>
+              <a:rPr lang="en-US"/>
+              <a:t>10/4/23</a:t>
+            </a:r>
+          </a:p>
+        </p:txBody>
+      </p:sp>
+      <p:sp>
+        <p:nvSpPr>
+          <p:cNvPr id="6" name="Footer Placeholder 5">
+            <a:extLst>
+              <a:ext uri="{FF2B5EF4-FFF2-40B4-BE49-F238E27FC236}">
+                <a16:creationId xmlns:a16="http://schemas.microsoft.com/office/drawing/2014/main" id="{A32E4BBB-41AE-B041-6324-33D7140C7A6F}"/>
+              </a:ext>
+            </a:extLst>
+          </p:cNvPr>
+          <p:cNvSpPr>
+            <a:spLocks noGrp="1"/>
+          </p:cNvSpPr>
+          <p:nvPr>
+            <p:ph type="ftr" sz="quarter" idx="11"/>
+          </p:nvPr>
+        </p:nvSpPr>
+        <p:spPr/>
+        <p:txBody>
+          <a:bodyPr/>
+          <a:lstStyle/>
+          <a:p>
+            <a:r>
+              <a:rPr lang="en-US"/>
+              <a:t>Day-1</a:t>
+            </a:r>
+          </a:p>
+        </p:txBody>
+      </p:sp>
+      <p:sp>
+        <p:nvSpPr>
+          <p:cNvPr id="7" name="Slide Number Placeholder 6">
+            <a:extLst>
+              <a:ext uri="{FF2B5EF4-FFF2-40B4-BE49-F238E27FC236}">
+                <a16:creationId xmlns:a16="http://schemas.microsoft.com/office/drawing/2014/main" id="{C7C3C6CF-3832-A248-2AA8-7759C329B887}"/>
+              </a:ext>
+            </a:extLst>
+          </p:cNvPr>
+          <p:cNvSpPr>
+            <a:spLocks noGrp="1"/>
+          </p:cNvSpPr>
+          <p:nvPr>
+            <p:ph type="sldNum" sz="quarter" idx="12"/>
+          </p:nvPr>
+        </p:nvSpPr>
+        <p:spPr/>
+        <p:txBody>
+          <a:bodyPr/>
+          <a:lstStyle/>
+          <a:p>
+            <a:fld id="{930FAEA0-FD60-A645-B5D5-2526792147FC}" type="slidenum">
+              <a:rPr lang="en-US" smtClean="0"/>
+              <a:t>2</a:t>
+            </a:fld>
+            <a:endParaRPr lang="en-US"/>
+          </a:p>
+        </p:txBody>
+      </p:sp>
     </p:spTree>
     <p:extLst>
       <p:ext uri="{BB962C8B-B14F-4D97-AF65-F5344CB8AC3E}">
@@ -19198,6 +20210,91 @@
           </a:graphicData>
         </a:graphic>
       </p:graphicFrame>
+      <p:sp>
+        <p:nvSpPr>
+          <p:cNvPr id="4" name="Date Placeholder 3">
+            <a:extLst>
+              <a:ext uri="{FF2B5EF4-FFF2-40B4-BE49-F238E27FC236}">
+                <a16:creationId xmlns:a16="http://schemas.microsoft.com/office/drawing/2014/main" id="{F7223EA4-CC6E-ECFA-3F5B-749E13211610}"/>
+              </a:ext>
+            </a:extLst>
+          </p:cNvPr>
+          <p:cNvSpPr>
+            <a:spLocks noGrp="1"/>
+          </p:cNvSpPr>
+          <p:nvPr>
+            <p:ph type="dt" sz="half" idx="10"/>
+          </p:nvPr>
+        </p:nvSpPr>
+        <p:spPr/>
+        <p:txBody>
+          <a:bodyPr/>
+          <a:lstStyle/>
+          <a:p>
+            <a:r>
+              <a:rPr lang="en-US"/>
+              <a:t>10/4/23</a:t>
+            </a:r>
+          </a:p>
+        </p:txBody>
+      </p:sp>
+      <p:sp>
+        <p:nvSpPr>
+          <p:cNvPr id="6" name="Footer Placeholder 5">
+            <a:extLst>
+              <a:ext uri="{FF2B5EF4-FFF2-40B4-BE49-F238E27FC236}">
+                <a16:creationId xmlns:a16="http://schemas.microsoft.com/office/drawing/2014/main" id="{984A45BE-6644-0958-A3F9-7412F1C1E0E5}"/>
+              </a:ext>
+            </a:extLst>
+          </p:cNvPr>
+          <p:cNvSpPr>
+            <a:spLocks noGrp="1"/>
+          </p:cNvSpPr>
+          <p:nvPr>
+            <p:ph type="ftr" sz="quarter" idx="11"/>
+          </p:nvPr>
+        </p:nvSpPr>
+        <p:spPr/>
+        <p:txBody>
+          <a:bodyPr/>
+          <a:lstStyle/>
+          <a:p>
+            <a:r>
+              <a:rPr lang="en-US"/>
+              <a:t>Day-1</a:t>
+            </a:r>
+          </a:p>
+        </p:txBody>
+      </p:sp>
+      <p:sp>
+        <p:nvSpPr>
+          <p:cNvPr id="7" name="Slide Number Placeholder 6">
+            <a:extLst>
+              <a:ext uri="{FF2B5EF4-FFF2-40B4-BE49-F238E27FC236}">
+                <a16:creationId xmlns:a16="http://schemas.microsoft.com/office/drawing/2014/main" id="{4ABC4F86-3CEE-2FF9-0E47-517D25EAE8BE}"/>
+              </a:ext>
+            </a:extLst>
+          </p:cNvPr>
+          <p:cNvSpPr>
+            <a:spLocks noGrp="1"/>
+          </p:cNvSpPr>
+          <p:nvPr>
+            <p:ph type="sldNum" sz="quarter" idx="12"/>
+          </p:nvPr>
+        </p:nvSpPr>
+        <p:spPr/>
+        <p:txBody>
+          <a:bodyPr/>
+          <a:lstStyle/>
+          <a:p>
+            <a:fld id="{930FAEA0-FD60-A645-B5D5-2526792147FC}" type="slidenum">
+              <a:rPr lang="en-US" smtClean="0"/>
+              <a:t>3</a:t>
+            </a:fld>
+            <a:endParaRPr lang="en-US"/>
+          </a:p>
+        </p:txBody>
+      </p:sp>
     </p:spTree>
     <p:extLst>
       <p:ext uri="{BB962C8B-B14F-4D97-AF65-F5344CB8AC3E}">
@@ -19801,6 +20898,91 @@
           </a:p>
         </p:txBody>
       </p:sp>
+      <p:sp>
+        <p:nvSpPr>
+          <p:cNvPr id="5" name="Date Placeholder 4">
+            <a:extLst>
+              <a:ext uri="{FF2B5EF4-FFF2-40B4-BE49-F238E27FC236}">
+                <a16:creationId xmlns:a16="http://schemas.microsoft.com/office/drawing/2014/main" id="{D4208A9F-A8B7-7662-3E8B-70D4308AD4A1}"/>
+              </a:ext>
+            </a:extLst>
+          </p:cNvPr>
+          <p:cNvSpPr>
+            <a:spLocks noGrp="1"/>
+          </p:cNvSpPr>
+          <p:nvPr>
+            <p:ph type="dt" sz="half" idx="10"/>
+          </p:nvPr>
+        </p:nvSpPr>
+        <p:spPr/>
+        <p:txBody>
+          <a:bodyPr/>
+          <a:lstStyle/>
+          <a:p>
+            <a:r>
+              <a:rPr lang="en-US"/>
+              <a:t>10/4/23</a:t>
+            </a:r>
+          </a:p>
+        </p:txBody>
+      </p:sp>
+      <p:sp>
+        <p:nvSpPr>
+          <p:cNvPr id="6" name="Footer Placeholder 5">
+            <a:extLst>
+              <a:ext uri="{FF2B5EF4-FFF2-40B4-BE49-F238E27FC236}">
+                <a16:creationId xmlns:a16="http://schemas.microsoft.com/office/drawing/2014/main" id="{2C213164-92DA-AD4C-78E7-8C74C58C765B}"/>
+              </a:ext>
+            </a:extLst>
+          </p:cNvPr>
+          <p:cNvSpPr>
+            <a:spLocks noGrp="1"/>
+          </p:cNvSpPr>
+          <p:nvPr>
+            <p:ph type="ftr" sz="quarter" idx="11"/>
+          </p:nvPr>
+        </p:nvSpPr>
+        <p:spPr/>
+        <p:txBody>
+          <a:bodyPr/>
+          <a:lstStyle/>
+          <a:p>
+            <a:r>
+              <a:rPr lang="en-US"/>
+              <a:t>Day-1</a:t>
+            </a:r>
+          </a:p>
+        </p:txBody>
+      </p:sp>
+      <p:sp>
+        <p:nvSpPr>
+          <p:cNvPr id="7" name="Slide Number Placeholder 6">
+            <a:extLst>
+              <a:ext uri="{FF2B5EF4-FFF2-40B4-BE49-F238E27FC236}">
+                <a16:creationId xmlns:a16="http://schemas.microsoft.com/office/drawing/2014/main" id="{CFB0BB5E-4AF6-B03F-5F96-610FA312E252}"/>
+              </a:ext>
+            </a:extLst>
+          </p:cNvPr>
+          <p:cNvSpPr>
+            <a:spLocks noGrp="1"/>
+          </p:cNvSpPr>
+          <p:nvPr>
+            <p:ph type="sldNum" sz="quarter" idx="12"/>
+          </p:nvPr>
+        </p:nvSpPr>
+        <p:spPr/>
+        <p:txBody>
+          <a:bodyPr/>
+          <a:lstStyle/>
+          <a:p>
+            <a:fld id="{930FAEA0-FD60-A645-B5D5-2526792147FC}" type="slidenum">
+              <a:rPr lang="en-US" smtClean="0"/>
+              <a:t>4</a:t>
+            </a:fld>
+            <a:endParaRPr lang="en-US"/>
+          </a:p>
+        </p:txBody>
+      </p:sp>
     </p:spTree>
     <p:extLst>
       <p:ext uri="{BB962C8B-B14F-4D97-AF65-F5344CB8AC3E}">
@@ -20019,6 +21201,91 @@
           </a:graphicData>
         </a:graphic>
       </p:graphicFrame>
+      <p:sp>
+        <p:nvSpPr>
+          <p:cNvPr id="4" name="Date Placeholder 3">
+            <a:extLst>
+              <a:ext uri="{FF2B5EF4-FFF2-40B4-BE49-F238E27FC236}">
+                <a16:creationId xmlns:a16="http://schemas.microsoft.com/office/drawing/2014/main" id="{3BE83910-D79A-12B5-4873-DF5C5F3FE697}"/>
+              </a:ext>
+            </a:extLst>
+          </p:cNvPr>
+          <p:cNvSpPr>
+            <a:spLocks noGrp="1"/>
+          </p:cNvSpPr>
+          <p:nvPr>
+            <p:ph type="dt" sz="half" idx="10"/>
+          </p:nvPr>
+        </p:nvSpPr>
+        <p:spPr/>
+        <p:txBody>
+          <a:bodyPr/>
+          <a:lstStyle/>
+          <a:p>
+            <a:r>
+              <a:rPr lang="en-US"/>
+              <a:t>10/4/23</a:t>
+            </a:r>
+          </a:p>
+        </p:txBody>
+      </p:sp>
+      <p:sp>
+        <p:nvSpPr>
+          <p:cNvPr id="7" name="Footer Placeholder 6">
+            <a:extLst>
+              <a:ext uri="{FF2B5EF4-FFF2-40B4-BE49-F238E27FC236}">
+                <a16:creationId xmlns:a16="http://schemas.microsoft.com/office/drawing/2014/main" id="{A268FDA5-F81B-ECA4-43AF-11A36BFA4982}"/>
+              </a:ext>
+            </a:extLst>
+          </p:cNvPr>
+          <p:cNvSpPr>
+            <a:spLocks noGrp="1"/>
+          </p:cNvSpPr>
+          <p:nvPr>
+            <p:ph type="ftr" sz="quarter" idx="11"/>
+          </p:nvPr>
+        </p:nvSpPr>
+        <p:spPr/>
+        <p:txBody>
+          <a:bodyPr/>
+          <a:lstStyle/>
+          <a:p>
+            <a:r>
+              <a:rPr lang="en-US"/>
+              <a:t>Day-1</a:t>
+            </a:r>
+          </a:p>
+        </p:txBody>
+      </p:sp>
+      <p:sp>
+        <p:nvSpPr>
+          <p:cNvPr id="8" name="Slide Number Placeholder 7">
+            <a:extLst>
+              <a:ext uri="{FF2B5EF4-FFF2-40B4-BE49-F238E27FC236}">
+                <a16:creationId xmlns:a16="http://schemas.microsoft.com/office/drawing/2014/main" id="{E56D2DE5-E91C-B265-206D-5BD0558C57B5}"/>
+              </a:ext>
+            </a:extLst>
+          </p:cNvPr>
+          <p:cNvSpPr>
+            <a:spLocks noGrp="1"/>
+          </p:cNvSpPr>
+          <p:nvPr>
+            <p:ph type="sldNum" sz="quarter" idx="12"/>
+          </p:nvPr>
+        </p:nvSpPr>
+        <p:spPr/>
+        <p:txBody>
+          <a:bodyPr/>
+          <a:lstStyle/>
+          <a:p>
+            <a:fld id="{930FAEA0-FD60-A645-B5D5-2526792147FC}" type="slidenum">
+              <a:rPr lang="en-US" smtClean="0"/>
+              <a:t>5</a:t>
+            </a:fld>
+            <a:endParaRPr lang="en-US"/>
+          </a:p>
+        </p:txBody>
+      </p:sp>
     </p:spTree>
     <p:extLst>
       <p:ext uri="{BB962C8B-B14F-4D97-AF65-F5344CB8AC3E}">
@@ -20103,6 +21370,91 @@
           </a:graphicData>
         </a:graphic>
       </p:graphicFrame>
+      <p:sp>
+        <p:nvSpPr>
+          <p:cNvPr id="4" name="Date Placeholder 3">
+            <a:extLst>
+              <a:ext uri="{FF2B5EF4-FFF2-40B4-BE49-F238E27FC236}">
+                <a16:creationId xmlns:a16="http://schemas.microsoft.com/office/drawing/2014/main" id="{D27A3EBB-B259-6EFF-AF5C-08D30D54D847}"/>
+              </a:ext>
+            </a:extLst>
+          </p:cNvPr>
+          <p:cNvSpPr>
+            <a:spLocks noGrp="1"/>
+          </p:cNvSpPr>
+          <p:nvPr>
+            <p:ph type="dt" sz="half" idx="10"/>
+          </p:nvPr>
+        </p:nvSpPr>
+        <p:spPr/>
+        <p:txBody>
+          <a:bodyPr/>
+          <a:lstStyle/>
+          <a:p>
+            <a:r>
+              <a:rPr lang="en-US"/>
+              <a:t>10/4/23</a:t>
+            </a:r>
+          </a:p>
+        </p:txBody>
+      </p:sp>
+      <p:sp>
+        <p:nvSpPr>
+          <p:cNvPr id="6" name="Footer Placeholder 5">
+            <a:extLst>
+              <a:ext uri="{FF2B5EF4-FFF2-40B4-BE49-F238E27FC236}">
+                <a16:creationId xmlns:a16="http://schemas.microsoft.com/office/drawing/2014/main" id="{9784E8B8-A7E2-91D6-DCF1-838B18D25A9A}"/>
+              </a:ext>
+            </a:extLst>
+          </p:cNvPr>
+          <p:cNvSpPr>
+            <a:spLocks noGrp="1"/>
+          </p:cNvSpPr>
+          <p:nvPr>
+            <p:ph type="ftr" sz="quarter" idx="11"/>
+          </p:nvPr>
+        </p:nvSpPr>
+        <p:spPr/>
+        <p:txBody>
+          <a:bodyPr/>
+          <a:lstStyle/>
+          <a:p>
+            <a:r>
+              <a:rPr lang="en-US"/>
+              <a:t>Day-1</a:t>
+            </a:r>
+          </a:p>
+        </p:txBody>
+      </p:sp>
+      <p:sp>
+        <p:nvSpPr>
+          <p:cNvPr id="7" name="Slide Number Placeholder 6">
+            <a:extLst>
+              <a:ext uri="{FF2B5EF4-FFF2-40B4-BE49-F238E27FC236}">
+                <a16:creationId xmlns:a16="http://schemas.microsoft.com/office/drawing/2014/main" id="{B07AD13F-B0FC-361B-2EB3-4D80BE5F918C}"/>
+              </a:ext>
+            </a:extLst>
+          </p:cNvPr>
+          <p:cNvSpPr>
+            <a:spLocks noGrp="1"/>
+          </p:cNvSpPr>
+          <p:nvPr>
+            <p:ph type="sldNum" sz="quarter" idx="12"/>
+          </p:nvPr>
+        </p:nvSpPr>
+        <p:spPr/>
+        <p:txBody>
+          <a:bodyPr/>
+          <a:lstStyle/>
+          <a:p>
+            <a:fld id="{930FAEA0-FD60-A645-B5D5-2526792147FC}" type="slidenum">
+              <a:rPr lang="en-US" smtClean="0"/>
+              <a:t>6</a:t>
+            </a:fld>
+            <a:endParaRPr lang="en-US"/>
+          </a:p>
+        </p:txBody>
+      </p:sp>
     </p:spTree>
     <p:extLst>
       <p:ext uri="{BB962C8B-B14F-4D97-AF65-F5344CB8AC3E}">
@@ -20187,6 +21539,91 @@
           </a:graphicData>
         </a:graphic>
       </p:graphicFrame>
+      <p:sp>
+        <p:nvSpPr>
+          <p:cNvPr id="4" name="Date Placeholder 3">
+            <a:extLst>
+              <a:ext uri="{FF2B5EF4-FFF2-40B4-BE49-F238E27FC236}">
+                <a16:creationId xmlns:a16="http://schemas.microsoft.com/office/drawing/2014/main" id="{4B69868A-1BF4-7254-14BB-8C08EFE630E7}"/>
+              </a:ext>
+            </a:extLst>
+          </p:cNvPr>
+          <p:cNvSpPr>
+            <a:spLocks noGrp="1"/>
+          </p:cNvSpPr>
+          <p:nvPr>
+            <p:ph type="dt" sz="half" idx="10"/>
+          </p:nvPr>
+        </p:nvSpPr>
+        <p:spPr/>
+        <p:txBody>
+          <a:bodyPr/>
+          <a:lstStyle/>
+          <a:p>
+            <a:r>
+              <a:rPr lang="en-US"/>
+              <a:t>10/4/23</a:t>
+            </a:r>
+          </a:p>
+        </p:txBody>
+      </p:sp>
+      <p:sp>
+        <p:nvSpPr>
+          <p:cNvPr id="6" name="Footer Placeholder 5">
+            <a:extLst>
+              <a:ext uri="{FF2B5EF4-FFF2-40B4-BE49-F238E27FC236}">
+                <a16:creationId xmlns:a16="http://schemas.microsoft.com/office/drawing/2014/main" id="{54F74D8D-F410-733F-A14D-9044B3627098}"/>
+              </a:ext>
+            </a:extLst>
+          </p:cNvPr>
+          <p:cNvSpPr>
+            <a:spLocks noGrp="1"/>
+          </p:cNvSpPr>
+          <p:nvPr>
+            <p:ph type="ftr" sz="quarter" idx="11"/>
+          </p:nvPr>
+        </p:nvSpPr>
+        <p:spPr/>
+        <p:txBody>
+          <a:bodyPr/>
+          <a:lstStyle/>
+          <a:p>
+            <a:r>
+              <a:rPr lang="en-US"/>
+              <a:t>Day-1</a:t>
+            </a:r>
+          </a:p>
+        </p:txBody>
+      </p:sp>
+      <p:sp>
+        <p:nvSpPr>
+          <p:cNvPr id="7" name="Slide Number Placeholder 6">
+            <a:extLst>
+              <a:ext uri="{FF2B5EF4-FFF2-40B4-BE49-F238E27FC236}">
+                <a16:creationId xmlns:a16="http://schemas.microsoft.com/office/drawing/2014/main" id="{C66F8E70-B62F-7906-2DDC-91F97D820FD8}"/>
+              </a:ext>
+            </a:extLst>
+          </p:cNvPr>
+          <p:cNvSpPr>
+            <a:spLocks noGrp="1"/>
+          </p:cNvSpPr>
+          <p:nvPr>
+            <p:ph type="sldNum" sz="quarter" idx="12"/>
+          </p:nvPr>
+        </p:nvSpPr>
+        <p:spPr/>
+        <p:txBody>
+          <a:bodyPr/>
+          <a:lstStyle/>
+          <a:p>
+            <a:fld id="{930FAEA0-FD60-A645-B5D5-2526792147FC}" type="slidenum">
+              <a:rPr lang="en-US" smtClean="0"/>
+              <a:t>7</a:t>
+            </a:fld>
+            <a:endParaRPr lang="en-US"/>
+          </a:p>
+        </p:txBody>
+      </p:sp>
     </p:spTree>
     <p:extLst>
       <p:ext uri="{BB962C8B-B14F-4D97-AF65-F5344CB8AC3E}">
@@ -20272,6 +21709,91 @@
           </a:graphicData>
         </a:graphic>
       </p:graphicFrame>
+      <p:sp>
+        <p:nvSpPr>
+          <p:cNvPr id="4" name="Date Placeholder 3">
+            <a:extLst>
+              <a:ext uri="{FF2B5EF4-FFF2-40B4-BE49-F238E27FC236}">
+                <a16:creationId xmlns:a16="http://schemas.microsoft.com/office/drawing/2014/main" id="{AE0CA91E-5CF6-2DE8-6EF6-327303121C56}"/>
+              </a:ext>
+            </a:extLst>
+          </p:cNvPr>
+          <p:cNvSpPr>
+            <a:spLocks noGrp="1"/>
+          </p:cNvSpPr>
+          <p:nvPr>
+            <p:ph type="dt" sz="half" idx="10"/>
+          </p:nvPr>
+        </p:nvSpPr>
+        <p:spPr/>
+        <p:txBody>
+          <a:bodyPr/>
+          <a:lstStyle/>
+          <a:p>
+            <a:r>
+              <a:rPr lang="en-US"/>
+              <a:t>10/4/23</a:t>
+            </a:r>
+          </a:p>
+        </p:txBody>
+      </p:sp>
+      <p:sp>
+        <p:nvSpPr>
+          <p:cNvPr id="6" name="Footer Placeholder 5">
+            <a:extLst>
+              <a:ext uri="{FF2B5EF4-FFF2-40B4-BE49-F238E27FC236}">
+                <a16:creationId xmlns:a16="http://schemas.microsoft.com/office/drawing/2014/main" id="{87160BEA-09D7-99C3-B5C1-B23B7F7C71C2}"/>
+              </a:ext>
+            </a:extLst>
+          </p:cNvPr>
+          <p:cNvSpPr>
+            <a:spLocks noGrp="1"/>
+          </p:cNvSpPr>
+          <p:nvPr>
+            <p:ph type="ftr" sz="quarter" idx="11"/>
+          </p:nvPr>
+        </p:nvSpPr>
+        <p:spPr/>
+        <p:txBody>
+          <a:bodyPr/>
+          <a:lstStyle/>
+          <a:p>
+            <a:r>
+              <a:rPr lang="en-US"/>
+              <a:t>Day-1</a:t>
+            </a:r>
+          </a:p>
+        </p:txBody>
+      </p:sp>
+      <p:sp>
+        <p:nvSpPr>
+          <p:cNvPr id="7" name="Slide Number Placeholder 6">
+            <a:extLst>
+              <a:ext uri="{FF2B5EF4-FFF2-40B4-BE49-F238E27FC236}">
+                <a16:creationId xmlns:a16="http://schemas.microsoft.com/office/drawing/2014/main" id="{48850385-CF88-12E6-4FCD-A48C22CA1024}"/>
+              </a:ext>
+            </a:extLst>
+          </p:cNvPr>
+          <p:cNvSpPr>
+            <a:spLocks noGrp="1"/>
+          </p:cNvSpPr>
+          <p:nvPr>
+            <p:ph type="sldNum" sz="quarter" idx="12"/>
+          </p:nvPr>
+        </p:nvSpPr>
+        <p:spPr/>
+        <p:txBody>
+          <a:bodyPr/>
+          <a:lstStyle/>
+          <a:p>
+            <a:fld id="{930FAEA0-FD60-A645-B5D5-2526792147FC}" type="slidenum">
+              <a:rPr lang="en-US" smtClean="0"/>
+              <a:t>8</a:t>
+            </a:fld>
+            <a:endParaRPr lang="en-US"/>
+          </a:p>
+        </p:txBody>
+      </p:sp>
     </p:spTree>
     <p:extLst>
       <p:ext uri="{BB962C8B-B14F-4D97-AF65-F5344CB8AC3E}">
@@ -20566,6 +22088,91 @@
           </a:p>
           <a:p>
             <a:endParaRPr lang="en-US" sz="2000"/>
+          </a:p>
+        </p:txBody>
+      </p:sp>
+      <p:sp>
+        <p:nvSpPr>
+          <p:cNvPr id="4" name="Date Placeholder 3">
+            <a:extLst>
+              <a:ext uri="{FF2B5EF4-FFF2-40B4-BE49-F238E27FC236}">
+                <a16:creationId xmlns:a16="http://schemas.microsoft.com/office/drawing/2014/main" id="{32191AD9-0F85-C63E-66CF-401372E27D7D}"/>
+              </a:ext>
+            </a:extLst>
+          </p:cNvPr>
+          <p:cNvSpPr>
+            <a:spLocks noGrp="1"/>
+          </p:cNvSpPr>
+          <p:nvPr>
+            <p:ph type="dt" sz="half" idx="10"/>
+          </p:nvPr>
+        </p:nvSpPr>
+        <p:spPr/>
+        <p:txBody>
+          <a:bodyPr/>
+          <a:lstStyle/>
+          <a:p>
+            <a:r>
+              <a:rPr lang="en-US"/>
+              <a:t>10/4/23</a:t>
+            </a:r>
+          </a:p>
+        </p:txBody>
+      </p:sp>
+      <p:sp>
+        <p:nvSpPr>
+          <p:cNvPr id="6" name="Footer Placeholder 5">
+            <a:extLst>
+              <a:ext uri="{FF2B5EF4-FFF2-40B4-BE49-F238E27FC236}">
+                <a16:creationId xmlns:a16="http://schemas.microsoft.com/office/drawing/2014/main" id="{26505642-3A24-3AD5-0D2C-7E925C6EE282}"/>
+              </a:ext>
+            </a:extLst>
+          </p:cNvPr>
+          <p:cNvSpPr>
+            <a:spLocks noGrp="1"/>
+          </p:cNvSpPr>
+          <p:nvPr>
+            <p:ph type="ftr" sz="quarter" idx="11"/>
+          </p:nvPr>
+        </p:nvSpPr>
+        <p:spPr/>
+        <p:txBody>
+          <a:bodyPr/>
+          <a:lstStyle/>
+          <a:p>
+            <a:r>
+              <a:rPr lang="en-US"/>
+              <a:t>Day-1</a:t>
+            </a:r>
+          </a:p>
+        </p:txBody>
+      </p:sp>
+      <p:sp>
+        <p:nvSpPr>
+          <p:cNvPr id="7" name="Slide Number Placeholder 6">
+            <a:extLst>
+              <a:ext uri="{FF2B5EF4-FFF2-40B4-BE49-F238E27FC236}">
+                <a16:creationId xmlns:a16="http://schemas.microsoft.com/office/drawing/2014/main" id="{9607421C-7A12-260E-D669-513F97590EEA}"/>
+              </a:ext>
+            </a:extLst>
+          </p:cNvPr>
+          <p:cNvSpPr>
+            <a:spLocks noGrp="1"/>
+          </p:cNvSpPr>
+          <p:nvPr>
+            <p:ph type="sldNum" sz="quarter" idx="12"/>
+          </p:nvPr>
+        </p:nvSpPr>
+        <p:spPr/>
+        <p:txBody>
+          <a:bodyPr/>
+          <a:lstStyle/>
+          <a:p>
+            <a:fld id="{930FAEA0-FD60-A645-B5D5-2526792147FC}" type="slidenum">
+              <a:rPr lang="en-US" smtClean="0"/>
+              <a:t>9</a:t>
+            </a:fld>
+            <a:endParaRPr lang="en-US"/>
           </a:p>
         </p:txBody>
       </p:sp>
@@ -20875,4 +22482,299 @@
     </a:ext>
   </a:extLst>
 </a:theme>
+</file>
+
+<file path=ppt/theme/theme2.xml><?xml version="1.0" encoding="utf-8"?>
+<a:theme xmlns:a="http://schemas.openxmlformats.org/drawingml/2006/main" name="Office Theme">
+  <a:themeElements>
+    <a:clrScheme name="Office">
+      <a:dk1>
+        <a:sysClr val="windowText" lastClr="000000"/>
+      </a:dk1>
+      <a:lt1>
+        <a:sysClr val="window" lastClr="FFFFFF"/>
+      </a:lt1>
+      <a:dk2>
+        <a:srgbClr val="44546A"/>
+      </a:dk2>
+      <a:lt2>
+        <a:srgbClr val="E7E6E6"/>
+      </a:lt2>
+      <a:accent1>
+        <a:srgbClr val="4472C4"/>
+      </a:accent1>
+      <a:accent2>
+        <a:srgbClr val="ED7D31"/>
+      </a:accent2>
+      <a:accent3>
+        <a:srgbClr val="A5A5A5"/>
+      </a:accent3>
+      <a:accent4>
+        <a:srgbClr val="FFC000"/>
+      </a:accent4>
+      <a:accent5>
+        <a:srgbClr val="5B9BD5"/>
+      </a:accent5>
+      <a:accent6>
+        <a:srgbClr val="70AD47"/>
+      </a:accent6>
+      <a:hlink>
+        <a:srgbClr val="0563C1"/>
+      </a:hlink>
+      <a:folHlink>
+        <a:srgbClr val="954F72"/>
+      </a:folHlink>
+    </a:clrScheme>
+    <a:fontScheme name="Office">
+      <a:majorFont>
+        <a:latin typeface="Calibri Light" panose="020F0302020204030204"/>
+        <a:ea typeface=""/>
+        <a:cs typeface=""/>
+        <a:font script="Jpan" typeface="游ゴシック Light"/>
+        <a:font script="Hang" typeface="맑은 고딕"/>
+        <a:font script="Hans" typeface="等线 Light"/>
+        <a:font script="Hant" typeface="新細明體"/>
+        <a:font script="Arab" typeface="Times New Roman"/>
+        <a:font script="Hebr" typeface="Times New Roman"/>
+        <a:font script="Thai" typeface="Angsana New"/>
+        <a:font script="Ethi" typeface="Nyala"/>
+        <a:font script="Beng" typeface="Vrinda"/>
+        <a:font script="Gujr" typeface="Shruti"/>
+        <a:font script="Khmr" typeface="MoolBoran"/>
+        <a:font script="Knda" typeface="Tunga"/>
+        <a:font script="Guru" typeface="Raavi"/>
+        <a:font script="Cans" typeface="Euphemia"/>
+        <a:font script="Cher" typeface="Plantagenet Cherokee"/>
+        <a:font script="Yiii" typeface="Microsoft Yi Baiti"/>
+        <a:font script="Tibt" typeface="Microsoft Himalaya"/>
+        <a:font script="Thaa" typeface="MV Boli"/>
+        <a:font script="Deva" typeface="Mangal"/>
+        <a:font script="Telu" typeface="Gautami"/>
+        <a:font script="Taml" typeface="Latha"/>
+        <a:font script="Syrc" typeface="Estrangelo Edessa"/>
+        <a:font script="Orya" typeface="Kalinga"/>
+        <a:font script="Mlym" typeface="Kartika"/>
+        <a:font script="Laoo" typeface="DokChampa"/>
+        <a:font script="Sinh" typeface="Iskoola Pota"/>
+        <a:font script="Mong" typeface="Mongolian Baiti"/>
+        <a:font script="Viet" typeface="Times New Roman"/>
+        <a:font script="Uigh" typeface="Microsoft Uighur"/>
+        <a:font script="Geor" typeface="Sylfaen"/>
+        <a:font script="Armn" typeface="Arial"/>
+        <a:font script="Bugi" typeface="Leelawadee UI"/>
+        <a:font script="Bopo" typeface="Microsoft JhengHei"/>
+        <a:font script="Java" typeface="Javanese Text"/>
+        <a:font script="Lisu" typeface="Segoe UI"/>
+        <a:font script="Mymr" typeface="Myanmar Text"/>
+        <a:font script="Nkoo" typeface="Ebrima"/>
+        <a:font script="Olck" typeface="Nirmala UI"/>
+        <a:font script="Osma" typeface="Ebrima"/>
+        <a:font script="Phag" typeface="Phagspa"/>
+        <a:font script="Syrn" typeface="Estrangelo Edessa"/>
+        <a:font script="Syrj" typeface="Estrangelo Edessa"/>
+        <a:font script="Syre" typeface="Estrangelo Edessa"/>
+        <a:font script="Sora" typeface="Nirmala UI"/>
+        <a:font script="Tale" typeface="Microsoft Tai Le"/>
+        <a:font script="Talu" typeface="Microsoft New Tai Lue"/>
+        <a:font script="Tfng" typeface="Ebrima"/>
+      </a:majorFont>
+      <a:minorFont>
+        <a:latin typeface="Calibri" panose="020F0502020204030204"/>
+        <a:ea typeface=""/>
+        <a:cs typeface=""/>
+        <a:font script="Jpan" typeface="游ゴシック"/>
+        <a:font script="Hang" typeface="맑은 고딕"/>
+        <a:font script="Hans" typeface="等线"/>
+        <a:font script="Hant" typeface="新細明體"/>
+        <a:font script="Arab" typeface="Arial"/>
+        <a:font script="Hebr" typeface="Arial"/>
+        <a:font script="Thai" typeface="Cordia New"/>
+        <a:font script="Ethi" typeface="Nyala"/>
+        <a:font script="Beng" typeface="Vrinda"/>
+        <a:font script="Gujr" typeface="Shruti"/>
+        <a:font script="Khmr" typeface="DaunPenh"/>
+        <a:font script="Knda" typeface="Tunga"/>
+        <a:font script="Guru" typeface="Raavi"/>
+        <a:font script="Cans" typeface="Euphemia"/>
+        <a:font script="Cher" typeface="Plantagenet Cherokee"/>
+        <a:font script="Yiii" typeface="Microsoft Yi Baiti"/>
+        <a:font script="Tibt" typeface="Microsoft Himalaya"/>
+        <a:font script="Thaa" typeface="MV Boli"/>
+        <a:font script="Deva" typeface="Mangal"/>
+        <a:font script="Telu" typeface="Gautami"/>
+        <a:font script="Taml" typeface="Latha"/>
+        <a:font script="Syrc" typeface="Estrangelo Edessa"/>
+        <a:font script="Orya" typeface="Kalinga"/>
+        <a:font script="Mlym" typeface="Kartika"/>
+        <a:font script="Laoo" typeface="DokChampa"/>
+        <a:font script="Sinh" typeface="Iskoola Pota"/>
+        <a:font script="Mong" typeface="Mongolian Baiti"/>
+        <a:font script="Viet" typeface="Arial"/>
+        <a:font script="Uigh" typeface="Microsoft Uighur"/>
+        <a:font script="Geor" typeface="Sylfaen"/>
+        <a:font script="Armn" typeface="Arial"/>
+        <a:font script="Bugi" typeface="Leelawadee UI"/>
+        <a:font script="Bopo" typeface="Microsoft JhengHei"/>
+        <a:font script="Java" typeface="Javanese Text"/>
+        <a:font script="Lisu" typeface="Segoe UI"/>
+        <a:font script="Mymr" typeface="Myanmar Text"/>
+        <a:font script="Nkoo" typeface="Ebrima"/>
+        <a:font script="Olck" typeface="Nirmala UI"/>
+        <a:font script="Osma" typeface="Ebrima"/>
+        <a:font script="Phag" typeface="Phagspa"/>
+        <a:font script="Syrn" typeface="Estrangelo Edessa"/>
+        <a:font script="Syrj" typeface="Estrangelo Edessa"/>
+        <a:font script="Syre" typeface="Estrangelo Edessa"/>
+        <a:font script="Sora" typeface="Nirmala UI"/>
+        <a:font script="Tale" typeface="Microsoft Tai Le"/>
+        <a:font script="Talu" typeface="Microsoft New Tai Lue"/>
+        <a:font script="Tfng" typeface="Ebrima"/>
+      </a:minorFont>
+    </a:fontScheme>
+    <a:fmtScheme name="Office">
+      <a:fillStyleLst>
+        <a:solidFill>
+          <a:schemeClr val="phClr"/>
+        </a:solidFill>
+        <a:gradFill rotWithShape="1">
+          <a:gsLst>
+            <a:gs pos="0">
+              <a:schemeClr val="phClr">
+                <a:lumMod val="110000"/>
+                <a:satMod val="105000"/>
+                <a:tint val="67000"/>
+              </a:schemeClr>
+            </a:gs>
+            <a:gs pos="50000">
+              <a:schemeClr val="phClr">
+                <a:lumMod val="105000"/>
+                <a:satMod val="103000"/>
+                <a:tint val="73000"/>
+              </a:schemeClr>
+            </a:gs>
+            <a:gs pos="100000">
+              <a:schemeClr val="phClr">
+                <a:lumMod val="105000"/>
+                <a:satMod val="109000"/>
+                <a:tint val="81000"/>
+              </a:schemeClr>
+            </a:gs>
+          </a:gsLst>
+          <a:lin ang="5400000" scaled="0"/>
+        </a:gradFill>
+        <a:gradFill rotWithShape="1">
+          <a:gsLst>
+            <a:gs pos="0">
+              <a:schemeClr val="phClr">
+                <a:satMod val="103000"/>
+                <a:lumMod val="102000"/>
+                <a:tint val="94000"/>
+              </a:schemeClr>
+            </a:gs>
+            <a:gs pos="50000">
+              <a:schemeClr val="phClr">
+                <a:satMod val="110000"/>
+                <a:lumMod val="100000"/>
+                <a:shade val="100000"/>
+              </a:schemeClr>
+            </a:gs>
+            <a:gs pos="100000">
+              <a:schemeClr val="phClr">
+                <a:lumMod val="99000"/>
+                <a:satMod val="120000"/>
+                <a:shade val="78000"/>
+              </a:schemeClr>
+            </a:gs>
+          </a:gsLst>
+          <a:lin ang="5400000" scaled="0"/>
+        </a:gradFill>
+      </a:fillStyleLst>
+      <a:lnStyleLst>
+        <a:ln w="6350" cap="flat" cmpd="sng" algn="ctr">
+          <a:solidFill>
+            <a:schemeClr val="phClr"/>
+          </a:solidFill>
+          <a:prstDash val="solid"/>
+          <a:miter lim="800000"/>
+        </a:ln>
+        <a:ln w="12700" cap="flat" cmpd="sng" algn="ctr">
+          <a:solidFill>
+            <a:schemeClr val="phClr"/>
+          </a:solidFill>
+          <a:prstDash val="solid"/>
+          <a:miter lim="800000"/>
+        </a:ln>
+        <a:ln w="19050" cap="flat" cmpd="sng" algn="ctr">
+          <a:solidFill>
+            <a:schemeClr val="phClr"/>
+          </a:solidFill>
+          <a:prstDash val="solid"/>
+          <a:miter lim="800000"/>
+        </a:ln>
+      </a:lnStyleLst>
+      <a:effectStyleLst>
+        <a:effectStyle>
+          <a:effectLst/>
+        </a:effectStyle>
+        <a:effectStyle>
+          <a:effectLst/>
+        </a:effectStyle>
+        <a:effectStyle>
+          <a:effectLst>
+            <a:outerShdw blurRad="57150" dist="19050" dir="5400000" algn="ctr" rotWithShape="0">
+              <a:srgbClr val="000000">
+                <a:alpha val="63000"/>
+              </a:srgbClr>
+            </a:outerShdw>
+          </a:effectLst>
+        </a:effectStyle>
+      </a:effectStyleLst>
+      <a:bgFillStyleLst>
+        <a:solidFill>
+          <a:schemeClr val="phClr"/>
+        </a:solidFill>
+        <a:solidFill>
+          <a:schemeClr val="phClr">
+            <a:tint val="95000"/>
+            <a:satMod val="170000"/>
+          </a:schemeClr>
+        </a:solidFill>
+        <a:gradFill rotWithShape="1">
+          <a:gsLst>
+            <a:gs pos="0">
+              <a:schemeClr val="phClr">
+                <a:tint val="93000"/>
+                <a:satMod val="150000"/>
+                <a:shade val="98000"/>
+                <a:lumMod val="102000"/>
+              </a:schemeClr>
+            </a:gs>
+            <a:gs pos="50000">
+              <a:schemeClr val="phClr">
+                <a:tint val="98000"/>
+                <a:satMod val="130000"/>
+                <a:shade val="90000"/>
+                <a:lumMod val="103000"/>
+              </a:schemeClr>
+            </a:gs>
+            <a:gs pos="100000">
+              <a:schemeClr val="phClr">
+                <a:shade val="63000"/>
+                <a:satMod val="120000"/>
+              </a:schemeClr>
+            </a:gs>
+          </a:gsLst>
+          <a:lin ang="5400000" scaled="0"/>
+        </a:gradFill>
+      </a:bgFillStyleLst>
+    </a:fmtScheme>
+  </a:themeElements>
+  <a:objectDefaults/>
+  <a:extraClrSchemeLst/>
+  <a:extLst>
+    <a:ext uri="{05A4C25C-085E-4340-85A3-A5531E510DB2}">
+      <thm15:themeFamily xmlns:thm15="http://schemas.microsoft.com/office/thememl/2012/main" name="Office Theme" id="{62F939B6-93AF-4DB8-9C6B-D6C7DFDC589F}" vid="{4A3C46E8-61CC-4603-A589-7422A47A8E4A}"/>
+    </a:ext>
+  </a:extLst>
+</a:theme>
 </file>